--- a/PPTs/Variables_and_operators.pptx
+++ b/PPTs/Variables_and_operators.pptx
@@ -31,21 +31,22 @@
     <p:sldId id="283" r:id="rId25"/>
     <p:sldId id="278" r:id="rId26"/>
     <p:sldId id="282" r:id="rId27"/>
-    <p:sldId id="284" r:id="rId28"/>
-    <p:sldId id="297" r:id="rId29"/>
-    <p:sldId id="264" r:id="rId30"/>
-    <p:sldId id="285" r:id="rId31"/>
-    <p:sldId id="265" r:id="rId32"/>
-    <p:sldId id="266" r:id="rId33"/>
-    <p:sldId id="267" r:id="rId34"/>
-    <p:sldId id="268" r:id="rId35"/>
-    <p:sldId id="269" r:id="rId36"/>
-    <p:sldId id="270" r:id="rId37"/>
-    <p:sldId id="271" r:id="rId38"/>
-    <p:sldId id="272" r:id="rId39"/>
-    <p:sldId id="273" r:id="rId40"/>
-    <p:sldId id="296" r:id="rId41"/>
-    <p:sldId id="275" r:id="rId42"/>
+    <p:sldId id="299" r:id="rId28"/>
+    <p:sldId id="284" r:id="rId29"/>
+    <p:sldId id="297" r:id="rId30"/>
+    <p:sldId id="264" r:id="rId31"/>
+    <p:sldId id="285" r:id="rId32"/>
+    <p:sldId id="265" r:id="rId33"/>
+    <p:sldId id="266" r:id="rId34"/>
+    <p:sldId id="267" r:id="rId35"/>
+    <p:sldId id="268" r:id="rId36"/>
+    <p:sldId id="269" r:id="rId37"/>
+    <p:sldId id="270" r:id="rId38"/>
+    <p:sldId id="271" r:id="rId39"/>
+    <p:sldId id="272" r:id="rId40"/>
+    <p:sldId id="273" r:id="rId41"/>
+    <p:sldId id="296" r:id="rId42"/>
+    <p:sldId id="275" r:id="rId43"/>
   </p:sldIdLst>
   <p:sldSz cx="9144000" cy="5143500" type="screen16x9"/>
   <p:notesSz cx="6858000" cy="9144000"/>
@@ -336,7 +337,7 @@
             <a:fld id="{C8A432C8-69A7-458B-9684-2BFA64B31948}" type="datetime2">
               <a:rPr lang="en-US" smtClean="0"/>
               <a:pPr/>
-              <a:t>Thursday, May 25, 2017</a:t>
+              <a:t>Friday, May 26, 2017</a:t>
             </a:fld>
             <a:endParaRPr lang="en-US"/>
           </a:p>
@@ -539,7 +540,7 @@
             <a:fld id="{8CC057FC-95B6-4D89-AFDA-ABA33EE921E5}" type="datetime2">
               <a:rPr lang="en-US" smtClean="0"/>
               <a:pPr/>
-              <a:t>Thursday, May 25, 2017</a:t>
+              <a:t>Friday, May 26, 2017</a:t>
             </a:fld>
             <a:endParaRPr lang="en-US"/>
           </a:p>
@@ -717,7 +718,7 @@
             <a:fld id="{EC4549AC-EB31-477F-92A9-B1988E232878}" type="datetime2">
               <a:rPr lang="en-US" smtClean="0"/>
               <a:pPr/>
-              <a:t>Thursday, May 25, 2017</a:t>
+              <a:t>Friday, May 26, 2017</a:t>
             </a:fld>
             <a:endParaRPr lang="en-US"/>
           </a:p>
@@ -885,7 +886,7 @@
             <a:fld id="{6396A3A3-94A6-4E5B-AF39-173ACA3E61CC}" type="datetime2">
               <a:rPr lang="en-US" smtClean="0"/>
               <a:pPr/>
-              <a:t>Thursday, May 25, 2017</a:t>
+              <a:t>Friday, May 26, 2017</a:t>
             </a:fld>
             <a:endParaRPr lang="en-US"/>
           </a:p>
@@ -1136,7 +1137,7 @@
             <a:fld id="{9933D019-A32C-4EAD-B8E6-DBDA699692FD}" type="datetime2">
               <a:rPr lang="en-US" smtClean="0"/>
               <a:pPr/>
-              <a:t>Thursday, May 25, 2017</a:t>
+              <a:t>Friday, May 26, 2017</a:t>
             </a:fld>
             <a:endParaRPr lang="en-US"/>
           </a:p>
@@ -1457,7 +1458,7 @@
             <a:fld id="{CCEBA98F-560C-4997-81C4-81D4D9187EAB}" type="datetime2">
               <a:rPr lang="en-US" smtClean="0"/>
               <a:pPr/>
-              <a:t>Thursday, May 25, 2017</a:t>
+              <a:t>Friday, May 26, 2017</a:t>
             </a:fld>
             <a:endParaRPr lang="en-US"/>
           </a:p>
@@ -1926,7 +1927,7 @@
             <a:fld id="{150972B2-CA5C-437D-87D0-8081271A9E4B}" type="datetime2">
               <a:rPr lang="en-US" smtClean="0"/>
               <a:pPr/>
-              <a:t>Thursday, May 25, 2017</a:t>
+              <a:t>Friday, May 26, 2017</a:t>
             </a:fld>
             <a:endParaRPr lang="en-US"/>
           </a:p>
@@ -2077,7 +2078,7 @@
             <a:fld id="{79CD4847-11EF-4466-A8AD-85CDB7B49118}" type="datetime2">
               <a:rPr lang="en-US" smtClean="0"/>
               <a:pPr/>
-              <a:t>Thursday, May 25, 2017</a:t>
+              <a:t>Friday, May 26, 2017</a:t>
             </a:fld>
             <a:endParaRPr lang="en-US"/>
           </a:p>
@@ -2170,7 +2171,7 @@
             <a:fld id="{F168457A-3AB9-4880-8A0C-9F8524491207}" type="datetime2">
               <a:rPr lang="en-US" smtClean="0"/>
               <a:pPr/>
-              <a:t>Thursday, May 25, 2017</a:t>
+              <a:t>Friday, May 26, 2017</a:t>
             </a:fld>
             <a:endParaRPr lang="en-US"/>
           </a:p>
@@ -2447,7 +2448,7 @@
             <a:fld id="{3FE976D3-5B7F-4300-ABED-C91F1B2AE209}" type="datetime2">
               <a:rPr lang="en-US" smtClean="0"/>
               <a:pPr/>
-              <a:t>Thursday, May 25, 2017</a:t>
+              <a:t>Friday, May 26, 2017</a:t>
             </a:fld>
             <a:endParaRPr lang="en-US"/>
           </a:p>
@@ -2755,7 +2756,7 @@
             <a:fld id="{EBDC1E59-17DD-41CE-97CA-624A472382D4}" type="datetime2">
               <a:rPr lang="en-US" smtClean="0"/>
               <a:pPr/>
-              <a:t>Thursday, May 25, 2017</a:t>
+              <a:t>Friday, May 26, 2017</a:t>
             </a:fld>
             <a:endParaRPr lang="en-US"/>
           </a:p>
@@ -3056,7 +3057,7 @@
             <a:fld id="{A80CB818-7379-467D-8E76-EF9D9074A26C}" type="datetime2">
               <a:rPr lang="en-US" smtClean="0"/>
               <a:pPr/>
-              <a:t>Thursday, May 25, 2017</a:t>
+              <a:t>Friday, May 26, 2017</a:t>
             </a:fld>
             <a:endParaRPr lang="en-US" dirty="0"/>
           </a:p>
@@ -3501,7 +3502,7 @@
     </p:spTree>
     <p:extLst>
       <p:ext uri="{BB962C8B-B14F-4D97-AF65-F5344CB8AC3E}">
-        <p14:creationId xmlns:p14="http://schemas.microsoft.com/office/powerpoint/2010/main" xmlns="" val="182139768"/>
+        <p14:creationId xmlns="" xmlns:p14="http://schemas.microsoft.com/office/powerpoint/2010/main" val="182139768"/>
       </p:ext>
     </p:extLst>
   </p:cSld>
@@ -4030,7 +4031,7 @@
         </p:nvGraphicFramePr>
         <p:xfrm>
           <a:off x="1844049" y="1256421"/>
-          <a:ext cx="5879099" cy="3505858"/>
+          <a:ext cx="5879099" cy="2482376"/>
         </p:xfrm>
         <a:graphic>
           <a:graphicData uri="http://schemas.openxmlformats.org/drawingml/2006/table">
@@ -4112,8 +4113,284 @@
                     <a:p>
                       <a:pPr algn="l" fontAlgn="b"/>
                       <a:r>
+                        <a:rPr lang="en-US" sz="2000" u="none" strike="noStrike" dirty="0" smtClean="0"/>
+                        <a:t>Newline (move down and back)</a:t>
+                      </a:r>
+                      <a:endParaRPr lang="en-US" sz="2000" b="0" i="0" u="none" strike="noStrike" dirty="0">
+                        <a:solidFill>
+                          <a:srgbClr val="000000"/>
+                        </a:solidFill>
+                        <a:latin typeface="Calibri"/>
+                      </a:endParaRPr>
+                    </a:p>
+                  </a:txBody>
+                  <a:tcPr marR="0" marT="5497" marB="0" anchor="b"/>
+                </a:tc>
+              </a:tr>
+              <a:tr h="226328">
+                <a:tc>
+                  <a:txBody>
+                    <a:bodyPr/>
+                    <a:lstStyle/>
+                    <a:p>
+                      <a:pPr algn="l" fontAlgn="b"/>
+                      <a:r>
+                        <a:rPr lang="en-IN" sz="2000" b="0" i="0" u="none" strike="noStrike" dirty="0" smtClean="0">
+                          <a:solidFill>
+                            <a:srgbClr val="000000"/>
+                          </a:solidFill>
+                          <a:latin typeface="Calibri"/>
+                        </a:rPr>
+                        <a:t>\r</a:t>
+                      </a:r>
+                      <a:endParaRPr lang="en-US" sz="2000" b="0" i="0" u="none" strike="noStrike" dirty="0">
+                        <a:solidFill>
+                          <a:srgbClr val="000000"/>
+                        </a:solidFill>
+                        <a:latin typeface="Calibri"/>
+                      </a:endParaRPr>
+                    </a:p>
+                  </a:txBody>
+                  <a:tcPr marR="0" marT="5497" marB="0" anchor="b"/>
+                </a:tc>
+                <a:tc>
+                  <a:txBody>
+                    <a:bodyPr/>
+                    <a:lstStyle/>
+                    <a:p>
+                      <a:pPr marL="0" marR="0" indent="0" algn="l" defTabSz="914400" rtl="0" eaLnBrk="1" fontAlgn="b" latinLnBrk="0" hangingPunct="1">
+                        <a:lnSpc>
+                          <a:spcPct val="100000"/>
+                        </a:lnSpc>
+                        <a:spcBef>
+                          <a:spcPts val="0"/>
+                        </a:spcBef>
+                        <a:spcAft>
+                          <a:spcPts val="0"/>
+                        </a:spcAft>
+                        <a:buClrTx/>
+                        <a:buSzTx/>
+                        <a:buFontTx/>
+                        <a:buNone/>
+                        <a:tabLst/>
+                        <a:defRPr/>
+                      </a:pPr>
+                      <a:r>
+                        <a:rPr lang="en-GB" sz="1800" kern="1200" baseline="0" dirty="0" smtClean="0">
+                          <a:solidFill>
+                            <a:schemeClr val="tx1"/>
+                          </a:solidFill>
+                          <a:latin typeface="+mn-lt"/>
+                          <a:ea typeface="+mn-ea"/>
+                          <a:cs typeface="+mn-cs"/>
+                        </a:rPr>
+                        <a:t>Carriage Return (move back but not down) </a:t>
+                      </a:r>
+                    </a:p>
+                  </a:txBody>
+                  <a:tcPr marR="0" marT="5497" marB="0" anchor="b"/>
+                </a:tc>
+              </a:tr>
+              <a:tr h="226328">
+                <a:tc>
+                  <a:txBody>
+                    <a:bodyPr/>
+                    <a:lstStyle/>
+                    <a:p>
+                      <a:pPr algn="l" fontAlgn="b"/>
+                      <a:r>
+                        <a:rPr lang="en-IN" sz="2000" b="0" i="0" u="none" strike="noStrike" dirty="0" smtClean="0">
+                          <a:solidFill>
+                            <a:srgbClr val="000000"/>
+                          </a:solidFill>
+                          <a:latin typeface="Calibri"/>
+                        </a:rPr>
+                        <a:t>\b</a:t>
+                      </a:r>
+                      <a:endParaRPr lang="en-US" sz="2000" b="0" i="0" u="none" strike="noStrike" dirty="0">
+                        <a:solidFill>
+                          <a:srgbClr val="000000"/>
+                        </a:solidFill>
+                        <a:latin typeface="Calibri"/>
+                      </a:endParaRPr>
+                    </a:p>
+                  </a:txBody>
+                  <a:tcPr marR="0" marT="5497" marB="0" anchor="b"/>
+                </a:tc>
+                <a:tc>
+                  <a:txBody>
+                    <a:bodyPr/>
+                    <a:lstStyle/>
+                    <a:p>
+                      <a:pPr marL="0" marR="0" indent="0" algn="l" defTabSz="914400" rtl="0" eaLnBrk="1" fontAlgn="b" latinLnBrk="0" hangingPunct="1">
+                        <a:lnSpc>
+                          <a:spcPct val="100000"/>
+                        </a:lnSpc>
+                        <a:spcBef>
+                          <a:spcPts val="0"/>
+                        </a:spcBef>
+                        <a:spcAft>
+                          <a:spcPts val="0"/>
+                        </a:spcAft>
+                        <a:buClrTx/>
+                        <a:buSzTx/>
+                        <a:buFontTx/>
+                        <a:buNone/>
+                        <a:tabLst/>
+                        <a:defRPr/>
+                      </a:pPr>
+                      <a:r>
+                        <a:rPr lang="en-GB" sz="1800" kern="1200" baseline="0" dirty="0" smtClean="0">
+                          <a:solidFill>
+                            <a:schemeClr val="tx1"/>
+                          </a:solidFill>
+                          <a:latin typeface="+mn-lt"/>
+                          <a:ea typeface="+mn-ea"/>
+                          <a:cs typeface="+mn-cs"/>
+                        </a:rPr>
+                        <a:t>Backspace (lets you overwrite existing text) </a:t>
+                      </a:r>
+                    </a:p>
+                  </a:txBody>
+                  <a:tcPr marR="0" marT="5497" marB="0" anchor="b"/>
+                </a:tc>
+              </a:tr>
+              <a:tr h="226328">
+                <a:tc>
+                  <a:txBody>
+                    <a:bodyPr/>
+                    <a:lstStyle/>
+                    <a:p>
+                      <a:pPr algn="l" fontAlgn="b"/>
+                      <a:r>
+                        <a:rPr lang="en-IN" sz="2000" b="0" i="0" u="none" strike="noStrike" dirty="0" smtClean="0">
+                          <a:solidFill>
+                            <a:srgbClr val="000000"/>
+                          </a:solidFill>
+                          <a:latin typeface="Calibri"/>
+                        </a:rPr>
+                        <a:t>\f</a:t>
+                      </a:r>
+                      <a:endParaRPr lang="en-US" sz="2000" b="0" i="0" u="none" strike="noStrike" dirty="0">
+                        <a:solidFill>
+                          <a:srgbClr val="000000"/>
+                        </a:solidFill>
+                        <a:latin typeface="Calibri"/>
+                      </a:endParaRPr>
+                    </a:p>
+                  </a:txBody>
+                  <a:tcPr marR="0" marT="5497" marB="0" anchor="b"/>
+                </a:tc>
+                <a:tc>
+                  <a:txBody>
+                    <a:bodyPr/>
+                    <a:lstStyle/>
+                    <a:p>
+                      <a:pPr marL="0" marR="0" indent="0" algn="l" defTabSz="914400" rtl="0" eaLnBrk="1" fontAlgn="b" latinLnBrk="0" hangingPunct="1">
+                        <a:lnSpc>
+                          <a:spcPct val="100000"/>
+                        </a:lnSpc>
+                        <a:spcBef>
+                          <a:spcPts val="0"/>
+                        </a:spcBef>
+                        <a:spcAft>
+                          <a:spcPts val="0"/>
+                        </a:spcAft>
+                        <a:buClrTx/>
+                        <a:buSzTx/>
+                        <a:buFontTx/>
+                        <a:buNone/>
+                        <a:tabLst/>
+                        <a:defRPr/>
+                      </a:pPr>
+                      <a:r>
+                        <a:rPr lang="en-GB" sz="1800" kern="1200" baseline="0" dirty="0" smtClean="0">
+                          <a:solidFill>
+                            <a:schemeClr val="tx1"/>
+                          </a:solidFill>
+                          <a:latin typeface="+mn-lt"/>
+                          <a:ea typeface="+mn-ea"/>
+                          <a:cs typeface="+mn-cs"/>
+                        </a:rPr>
+                        <a:t>Form feed (move down but not back) </a:t>
+                      </a:r>
+                    </a:p>
+                  </a:txBody>
+                  <a:tcPr marR="0" marT="5497" marB="0" anchor="b"/>
+                </a:tc>
+              </a:tr>
+              <a:tr h="226328">
+                <a:tc>
+                  <a:txBody>
+                    <a:bodyPr/>
+                    <a:lstStyle/>
+                    <a:p>
+                      <a:pPr algn="l" fontAlgn="b"/>
+                      <a:r>
+                        <a:rPr lang="en-US" sz="2000" u="none" strike="noStrike" dirty="0"/>
+                        <a:t>\t</a:t>
+                      </a:r>
+                      <a:endParaRPr lang="en-US" sz="2000" b="0" i="0" u="none" strike="noStrike" dirty="0">
+                        <a:solidFill>
+                          <a:srgbClr val="000000"/>
+                        </a:solidFill>
+                        <a:latin typeface="Calibri"/>
+                      </a:endParaRPr>
+                    </a:p>
+                  </a:txBody>
+                  <a:tcPr marR="0" marT="5497" marB="0" anchor="b"/>
+                </a:tc>
+                <a:tc>
+                  <a:txBody>
+                    <a:bodyPr/>
+                    <a:lstStyle/>
+                    <a:p>
+                      <a:pPr algn="l" fontAlgn="b"/>
+                      <a:r>
+                        <a:rPr lang="en-US" sz="2000" u="none" strike="noStrike" dirty="0"/>
+                        <a:t>Tab</a:t>
+                      </a:r>
+                      <a:endParaRPr lang="en-US" sz="2000" b="0" i="0" u="none" strike="noStrike" dirty="0">
+                        <a:solidFill>
+                          <a:srgbClr val="000000"/>
+                        </a:solidFill>
+                        <a:latin typeface="Calibri"/>
+                      </a:endParaRPr>
+                    </a:p>
+                  </a:txBody>
+                  <a:tcPr marR="0" marT="5497" marB="0" anchor="b"/>
+                </a:tc>
+              </a:tr>
+              <a:tr h="226328">
+                <a:tc>
+                  <a:txBody>
+                    <a:bodyPr/>
+                    <a:lstStyle/>
+                    <a:p>
+                      <a:pPr algn="l" fontAlgn="b"/>
+                      <a:r>
+                        <a:rPr lang="en-US" sz="2000" u="none" strike="noStrike" dirty="0"/>
+                        <a:t>\u</a:t>
+                      </a:r>
+                      <a:endParaRPr lang="en-US" sz="2000" b="0" i="0" u="none" strike="noStrike" dirty="0">
+                        <a:solidFill>
+                          <a:srgbClr val="000000"/>
+                        </a:solidFill>
+                        <a:latin typeface="Calibri"/>
+                      </a:endParaRPr>
+                    </a:p>
+                  </a:txBody>
+                  <a:tcPr marR="0" marT="5497" marB="0" anchor="b"/>
+                </a:tc>
+                <a:tc>
+                  <a:txBody>
+                    <a:bodyPr/>
+                    <a:lstStyle/>
+                    <a:p>
+                      <a:pPr algn="l" fontAlgn="b"/>
+                      <a:r>
                         <a:rPr lang="en-US" sz="2000" u="none" strike="noStrike"/>
-                        <a:t>Newline</a:t>
+                        <a:t>Change next character to uppercase</a:t>
                       </a:r>
                       <a:endParaRPr lang="en-US" sz="2000" b="0" i="0" u="none" strike="noStrike">
                         <a:solidFill>
@@ -4134,28 +4411,8 @@
                     <a:p>
                       <a:pPr algn="l" fontAlgn="b"/>
                       <a:r>
-                        <a:rPr lang="en-US" sz="2000" u="none" strike="noStrike" dirty="0"/>
-                        <a:t>\t</a:t>
-                      </a:r>
-                      <a:endParaRPr lang="en-US" sz="2000" b="0" i="0" u="none" strike="noStrike" dirty="0">
-                        <a:solidFill>
-                          <a:srgbClr val="000000"/>
-                        </a:solidFill>
-                        <a:latin typeface="Calibri"/>
-                      </a:endParaRPr>
-                    </a:p>
-                  </a:txBody>
-                  <a:tcPr marR="0" marT="5497" marB="0" anchor="b"/>
-                </a:tc>
-                <a:tc>
-                  <a:txBody>
-                    <a:bodyPr/>
-                    <a:lstStyle/>
-                    <a:p>
-                      <a:pPr algn="l" fontAlgn="b"/>
-                      <a:r>
                         <a:rPr lang="en-US" sz="2000" u="none" strike="noStrike"/>
-                        <a:t>Tab</a:t>
+                        <a:t>\l</a:t>
                       </a:r>
                       <a:endParaRPr lang="en-US" sz="2000" b="0" i="0" u="none" strike="noStrike">
                         <a:solidFill>
@@ -4167,8 +4424,6 @@
                   </a:txBody>
                   <a:tcPr marR="0" marT="5497" marB="0" anchor="b"/>
                 </a:tc>
-              </a:tr>
-              <a:tr h="226328">
                 <a:tc>
                   <a:txBody>
                     <a:bodyPr/>
@@ -4176,238 +4431,8 @@
                     <a:p>
                       <a:pPr algn="l" fontAlgn="b"/>
                       <a:r>
-                        <a:rPr lang="en-US" sz="2000" u="none" strike="noStrike"/>
-                        <a:t>\b</a:t>
-                      </a:r>
-                      <a:endParaRPr lang="en-US" sz="2000" b="0" i="0" u="none" strike="noStrike">
-                        <a:solidFill>
-                          <a:srgbClr val="000000"/>
-                        </a:solidFill>
-                        <a:latin typeface="Calibri"/>
-                      </a:endParaRPr>
-                    </a:p>
-                  </a:txBody>
-                  <a:tcPr marR="0" marT="5497" marB="0" anchor="b"/>
-                </a:tc>
-                <a:tc>
-                  <a:txBody>
-                    <a:bodyPr/>
-                    <a:lstStyle/>
-                    <a:p>
-                      <a:pPr algn="l" fontAlgn="b"/>
-                      <a:r>
-                        <a:rPr lang="en-US" sz="2000" u="none" strike="noStrike"/>
-                        <a:t>Backspace</a:t>
-                      </a:r>
-                      <a:endParaRPr lang="en-US" sz="2000" b="0" i="0" u="none" strike="noStrike">
-                        <a:solidFill>
-                          <a:srgbClr val="000000"/>
-                        </a:solidFill>
-                        <a:latin typeface="Calibri"/>
-                      </a:endParaRPr>
-                    </a:p>
-                  </a:txBody>
-                  <a:tcPr marR="0" marT="5497" marB="0" anchor="b"/>
-                </a:tc>
-              </a:tr>
-              <a:tr h="226328">
-                <a:tc>
-                  <a:txBody>
-                    <a:bodyPr/>
-                    <a:lstStyle/>
-                    <a:p>
-                      <a:pPr algn="l" fontAlgn="b"/>
-                      <a:r>
-                        <a:rPr lang="en-US" sz="2000" u="none" strike="noStrike"/>
-                        <a:t>\u</a:t>
-                      </a:r>
-                      <a:endParaRPr lang="en-US" sz="2000" b="0" i="0" u="none" strike="noStrike">
-                        <a:solidFill>
-                          <a:srgbClr val="000000"/>
-                        </a:solidFill>
-                        <a:latin typeface="Calibri"/>
-                      </a:endParaRPr>
-                    </a:p>
-                  </a:txBody>
-                  <a:tcPr marR="0" marT="5497" marB="0" anchor="b"/>
-                </a:tc>
-                <a:tc>
-                  <a:txBody>
-                    <a:bodyPr/>
-                    <a:lstStyle/>
-                    <a:p>
-                      <a:pPr algn="l" fontAlgn="b"/>
-                      <a:r>
-                        <a:rPr lang="en-US" sz="2000" u="none" strike="noStrike"/>
-                        <a:t>Change next character to uppercase</a:t>
-                      </a:r>
-                      <a:endParaRPr lang="en-US" sz="2000" b="0" i="0" u="none" strike="noStrike">
-                        <a:solidFill>
-                          <a:srgbClr val="000000"/>
-                        </a:solidFill>
-                        <a:latin typeface="Calibri"/>
-                      </a:endParaRPr>
-                    </a:p>
-                  </a:txBody>
-                  <a:tcPr marR="0" marT="5497" marB="0" anchor="b"/>
-                </a:tc>
-              </a:tr>
-              <a:tr h="226328">
-                <a:tc>
-                  <a:txBody>
-                    <a:bodyPr/>
-                    <a:lstStyle/>
-                    <a:p>
-                      <a:pPr algn="l" fontAlgn="b"/>
-                      <a:r>
-                        <a:rPr lang="en-US" sz="2000" u="none" strike="noStrike"/>
-                        <a:t>\l</a:t>
-                      </a:r>
-                      <a:endParaRPr lang="en-US" sz="2000" b="0" i="0" u="none" strike="noStrike">
-                        <a:solidFill>
-                          <a:srgbClr val="000000"/>
-                        </a:solidFill>
-                        <a:latin typeface="Calibri"/>
-                      </a:endParaRPr>
-                    </a:p>
-                  </a:txBody>
-                  <a:tcPr marR="0" marT="5497" marB="0" anchor="b"/>
-                </a:tc>
-                <a:tc>
-                  <a:txBody>
-                    <a:bodyPr/>
-                    <a:lstStyle/>
-                    <a:p>
-                      <a:pPr algn="l" fontAlgn="b"/>
-                      <a:r>
-                        <a:rPr lang="en-US" sz="2000" u="none" strike="noStrike"/>
+                        <a:rPr lang="en-US" sz="2000" u="none" strike="noStrike" dirty="0"/>
                         <a:t>Change next character to lowercase</a:t>
-                      </a:r>
-                      <a:endParaRPr lang="en-US" sz="2000" b="0" i="0" u="none" strike="noStrike">
-                        <a:solidFill>
-                          <a:srgbClr val="000000"/>
-                        </a:solidFill>
-                        <a:latin typeface="Calibri"/>
-                      </a:endParaRPr>
-                    </a:p>
-                  </a:txBody>
-                  <a:tcPr marR="0" marT="5497" marB="0" anchor="b"/>
-                </a:tc>
-              </a:tr>
-              <a:tr h="226328">
-                <a:tc>
-                  <a:txBody>
-                    <a:bodyPr/>
-                    <a:lstStyle/>
-                    <a:p>
-                      <a:pPr algn="l" fontAlgn="b"/>
-                      <a:r>
-                        <a:rPr lang="en-US" sz="2000" u="none" strike="noStrike"/>
-                        <a:t>\\</a:t>
-                      </a:r>
-                      <a:endParaRPr lang="en-US" sz="2000" b="0" i="0" u="none" strike="noStrike">
-                        <a:solidFill>
-                          <a:srgbClr val="000000"/>
-                        </a:solidFill>
-                        <a:latin typeface="Calibri"/>
-                      </a:endParaRPr>
-                    </a:p>
-                  </a:txBody>
-                  <a:tcPr marR="0" marT="5497" marB="0" anchor="b"/>
-                </a:tc>
-                <a:tc>
-                  <a:txBody>
-                    <a:bodyPr/>
-                    <a:lstStyle/>
-                    <a:p>
-                      <a:pPr algn="l" fontAlgn="b"/>
-                      <a:r>
-                        <a:rPr lang="en-US" sz="2000" u="none" strike="noStrike"/>
-                        <a:t>A literal backslash character</a:t>
-                      </a:r>
-                      <a:endParaRPr lang="en-US" sz="2000" b="0" i="0" u="none" strike="noStrike">
-                        <a:solidFill>
-                          <a:srgbClr val="000000"/>
-                        </a:solidFill>
-                        <a:latin typeface="Calibri"/>
-                      </a:endParaRPr>
-                    </a:p>
-                  </a:txBody>
-                  <a:tcPr marR="0" marT="5497" marB="0" anchor="b"/>
-                </a:tc>
-              </a:tr>
-              <a:tr h="448647">
-                <a:tc>
-                  <a:txBody>
-                    <a:bodyPr/>
-                    <a:lstStyle/>
-                    <a:p>
-                      <a:pPr algn="l" fontAlgn="b"/>
-                      <a:r>
-                        <a:rPr lang="en-US" sz="2000" u="none" strike="noStrike"/>
-                        <a:t>\'</a:t>
-                      </a:r>
-                      <a:endParaRPr lang="en-US" sz="2000" b="0" i="0" u="none" strike="noStrike">
-                        <a:solidFill>
-                          <a:srgbClr val="000000"/>
-                        </a:solidFill>
-                        <a:latin typeface="Calibri"/>
-                      </a:endParaRPr>
-                    </a:p>
-                  </a:txBody>
-                  <a:tcPr marR="0" marT="5497" marB="0" anchor="b"/>
-                </a:tc>
-                <a:tc>
-                  <a:txBody>
-                    <a:bodyPr/>
-                    <a:lstStyle/>
-                    <a:p>
-                      <a:pPr algn="l" fontAlgn="b"/>
-                      <a:r>
-                        <a:rPr lang="en-US" sz="2000" u="none" strike="noStrike" dirty="0"/>
-                        <a:t>A literal ' inside of a string surrounded by single-quotation marks ('').</a:t>
-                      </a:r>
-                      <a:endParaRPr lang="en-US" sz="2000" b="0" i="0" u="none" strike="noStrike" dirty="0">
-                        <a:solidFill>
-                          <a:srgbClr val="000000"/>
-                        </a:solidFill>
-                        <a:latin typeface="Calibri"/>
-                      </a:endParaRPr>
-                    </a:p>
-                  </a:txBody>
-                  <a:tcPr marR="0" marT="5497" marB="0" anchor="b"/>
-                </a:tc>
-              </a:tr>
-              <a:tr h="718682">
-                <a:tc>
-                  <a:txBody>
-                    <a:bodyPr/>
-                    <a:lstStyle/>
-                    <a:p>
-                      <a:pPr algn="l" fontAlgn="b"/>
-                      <a:r>
-                        <a:rPr lang="en-US" sz="2000" u="none" strike="noStrike" dirty="0"/>
-                        <a:t>\"</a:t>
-                      </a:r>
-                      <a:endParaRPr lang="en-US" sz="2000" b="0" i="0" u="none" strike="noStrike" dirty="0">
-                        <a:solidFill>
-                          <a:srgbClr val="000000"/>
-                        </a:solidFill>
-                        <a:latin typeface="Calibri"/>
-                      </a:endParaRPr>
-                    </a:p>
-                  </a:txBody>
-                  <a:tcPr marR="0" marT="5497" marB="0" anchor="b"/>
-                </a:tc>
-                <a:tc>
-                  <a:txBody>
-                    <a:bodyPr/>
-                    <a:lstStyle/>
-                    <a:p>
-                      <a:pPr algn="l" fontAlgn="b"/>
-                      <a:r>
-                        <a:rPr lang="en-US" sz="2000" u="none" strike="noStrike" dirty="0"/>
-                        <a:t>A literal " inside of a string surrounded by quotation marks. </a:t>
                       </a:r>
                       <a:endParaRPr lang="en-US" sz="2000" b="0" i="0" u="none" strike="noStrike" dirty="0">
                         <a:solidFill>
@@ -8243,8 +8268,64 @@
             <a:pPr lvl="1"/>
             <a:r>
               <a:rPr lang="pt-BR" dirty="0" smtClean="0"/>
-              <a:t>$array[4] = ‘m’</a:t>
-            </a:r>
+              <a:t>$array[4] = ‘m</a:t>
+            </a:r>
+            <a:r>
+              <a:rPr lang="pt-BR" dirty="0" smtClean="0"/>
+              <a:t>’</a:t>
+            </a:r>
+          </a:p>
+          <a:p>
+            <a:endParaRPr lang="pt-BR" dirty="0" smtClean="0"/>
+          </a:p>
+          <a:p>
+            <a:r>
+              <a:rPr lang="pt-BR" dirty="0" smtClean="0"/>
+              <a:t>If the given index doesnot exist, it will be created</a:t>
+            </a:r>
+          </a:p>
+          <a:p>
+            <a:pPr lvl="1"/>
+            <a:r>
+              <a:rPr lang="pt-BR" dirty="0" smtClean="0"/>
+              <a:t>$</a:t>
+            </a:r>
+            <a:r>
+              <a:rPr lang="pt-BR" dirty="0" smtClean="0"/>
+              <a:t>array[10] </a:t>
+            </a:r>
+            <a:r>
+              <a:rPr lang="pt-BR" dirty="0" smtClean="0"/>
+              <a:t>= </a:t>
+            </a:r>
+            <a:r>
+              <a:rPr lang="pt-BR" dirty="0" smtClean="0"/>
+              <a:t>‘x’, also create </a:t>
+            </a:r>
+            <a:r>
+              <a:rPr lang="pt-BR" dirty="0" smtClean="0"/>
+              <a:t>$</a:t>
+            </a:r>
+            <a:r>
+              <a:rPr lang="pt-BR" dirty="0" smtClean="0"/>
+              <a:t>array[8] ,</a:t>
+            </a:r>
+            <a:r>
+              <a:rPr lang="pt-BR" dirty="0" smtClean="0"/>
+              <a:t> $</a:t>
+            </a:r>
+            <a:r>
+              <a:rPr lang="pt-BR" dirty="0" smtClean="0"/>
+              <a:t>array[9]  with </a:t>
+            </a:r>
+            <a:r>
+              <a:rPr lang="pt-BR" i="1" dirty="0" smtClean="0"/>
+              <a:t>undef.</a:t>
+            </a:r>
+            <a:endParaRPr lang="pt-BR" i="1" dirty="0" smtClean="0"/>
+          </a:p>
+          <a:p>
+            <a:pPr lvl="1"/>
             <a:endParaRPr lang="en-US" dirty="0"/>
           </a:p>
         </p:txBody>
@@ -8940,7 +9021,7 @@
           <p:nvPr/>
         </p:nvGraphicFramePr>
         <p:xfrm>
-          <a:off x="5566104" y="2345105"/>
+          <a:off x="5470854" y="2211755"/>
           <a:ext cx="3301216" cy="731520"/>
         </p:xfrm>
         <a:graphic>
@@ -9597,7 +9678,7 @@
         </p:nvSpPr>
         <p:spPr>
           <a:xfrm>
-            <a:off x="4668134" y="2332892"/>
+            <a:off x="4572884" y="2199542"/>
             <a:ext cx="1062111" cy="369332"/>
           </a:xfrm>
           <a:prstGeom prst="rect">
@@ -9682,7 +9763,7 @@
           <a:bodyPr/>
           <a:lstStyle/>
           <a:p>
-            <a:endParaRPr lang="en-US"/>
+            <a:endParaRPr lang="en-US" dirty="0"/>
           </a:p>
         </p:txBody>
       </p:sp>
@@ -12382,6 +12463,73 @@
       </p:grpSpPr>
       <p:sp>
         <p:nvSpPr>
+          <p:cNvPr id="2" name="Title 1"/>
+          <p:cNvSpPr>
+            <a:spLocks noGrp="1"/>
+          </p:cNvSpPr>
+          <p:nvPr>
+            <p:ph type="title"/>
+          </p:nvPr>
+        </p:nvSpPr>
+        <p:spPr/>
+        <p:txBody>
+          <a:bodyPr/>
+          <a:lstStyle/>
+          <a:p>
+            <a:r>
+              <a:rPr lang="en-IN" dirty="0" smtClean="0"/>
+              <a:t>Modify hash by key</a:t>
+            </a:r>
+            <a:endParaRPr lang="en-US" dirty="0"/>
+          </a:p>
+        </p:txBody>
+      </p:sp>
+      <p:sp>
+        <p:nvSpPr>
+          <p:cNvPr id="3" name="Content Placeholder 2"/>
+          <p:cNvSpPr>
+            <a:spLocks noGrp="1"/>
+          </p:cNvSpPr>
+          <p:nvPr>
+            <p:ph idx="1"/>
+          </p:nvPr>
+        </p:nvSpPr>
+        <p:spPr/>
+        <p:txBody>
+          <a:bodyPr/>
+          <a:lstStyle/>
+          <a:p>
+            <a:endParaRPr lang="en-US"/>
+          </a:p>
+        </p:txBody>
+      </p:sp>
+    </p:spTree>
+  </p:cSld>
+  <p:clrMapOvr>
+    <a:masterClrMapping/>
+  </p:clrMapOvr>
+</p:sld>
+</file>
+
+<file path=ppt/slides/slide28.xml><?xml version="1.0" encoding="utf-8"?>
+<p:sld xmlns:a="http://schemas.openxmlformats.org/drawingml/2006/main" xmlns:r="http://schemas.openxmlformats.org/officeDocument/2006/relationships" xmlns:p="http://schemas.openxmlformats.org/presentationml/2006/main">
+  <p:cSld>
+    <p:spTree>
+      <p:nvGrpSpPr>
+        <p:cNvPr id="1" name=""/>
+        <p:cNvGrpSpPr/>
+        <p:nvPr/>
+      </p:nvGrpSpPr>
+      <p:grpSpPr>
+        <a:xfrm>
+          <a:off x="0" y="0"/>
+          <a:ext cx="0" cy="0"/>
+          <a:chOff x="0" y="0"/>
+          <a:chExt cx="0" cy="0"/>
+        </a:xfrm>
+      </p:grpSpPr>
+      <p:sp>
+        <p:nvSpPr>
           <p:cNvPr id="4" name="Title 3"/>
           <p:cNvSpPr>
             <a:spLocks noGrp="1"/>
@@ -12485,11 +12633,7 @@
           <a:p>
             <a:r>
               <a:rPr lang="en-US" dirty="0" smtClean="0"/>
-              <a:t>Not  </a:t>
-            </a:r>
-            <a:r>
-              <a:rPr lang="en-US" dirty="0" smtClean="0"/>
-              <a:t>stored sequentially</a:t>
+              <a:t>Not  stored sequentially</a:t>
             </a:r>
             <a:endParaRPr lang="en-US" dirty="0"/>
           </a:p>
@@ -13109,7 +13253,7 @@
 </p:sld>
 </file>
 
-<file path=ppt/slides/slide28.xml><?xml version="1.0" encoding="utf-8"?>
+<file path=ppt/slides/slide29.xml><?xml version="1.0" encoding="utf-8"?>
 <p:sld xmlns:a="http://schemas.openxmlformats.org/drawingml/2006/main" xmlns:r="http://schemas.openxmlformats.org/officeDocument/2006/relationships" xmlns:p="http://schemas.openxmlformats.org/presentationml/2006/main">
   <p:cSld>
     <p:spTree>
@@ -13205,118 +13349,6 @@
 </p:sld>
 </file>
 
-<file path=ppt/slides/slide29.xml><?xml version="1.0" encoding="utf-8"?>
-<p:sld xmlns:a="http://schemas.openxmlformats.org/drawingml/2006/main" xmlns:r="http://schemas.openxmlformats.org/officeDocument/2006/relationships" xmlns:p="http://schemas.openxmlformats.org/presentationml/2006/main">
-  <p:cSld>
-    <p:spTree>
-      <p:nvGrpSpPr>
-        <p:cNvPr id="1" name=""/>
-        <p:cNvGrpSpPr/>
-        <p:nvPr/>
-      </p:nvGrpSpPr>
-      <p:grpSpPr>
-        <a:xfrm>
-          <a:off x="0" y="0"/>
-          <a:ext cx="0" cy="0"/>
-          <a:chOff x="0" y="0"/>
-          <a:chExt cx="0" cy="0"/>
-        </a:xfrm>
-      </p:grpSpPr>
-      <p:sp>
-        <p:nvSpPr>
-          <p:cNvPr id="2" name="Title 1"/>
-          <p:cNvSpPr>
-            <a:spLocks noGrp="1"/>
-          </p:cNvSpPr>
-          <p:nvPr>
-            <p:ph type="title"/>
-          </p:nvPr>
-        </p:nvSpPr>
-        <p:spPr/>
-        <p:txBody>
-          <a:bodyPr/>
-          <a:lstStyle/>
-          <a:p>
-            <a:r>
-              <a:rPr lang="pt-BR" dirty="0" smtClean="0"/>
-              <a:t>Variable naming conventions </a:t>
-            </a:r>
-            <a:endParaRPr lang="en-US" dirty="0"/>
-          </a:p>
-        </p:txBody>
-      </p:sp>
-      <p:sp>
-        <p:nvSpPr>
-          <p:cNvPr id="3" name="Content Placeholder 2"/>
-          <p:cNvSpPr>
-            <a:spLocks noGrp="1"/>
-          </p:cNvSpPr>
-          <p:nvPr>
-            <p:ph idx="1"/>
-          </p:nvPr>
-        </p:nvSpPr>
-        <p:spPr/>
-        <p:txBody>
-          <a:bodyPr>
-            <a:normAutofit/>
-          </a:bodyPr>
-          <a:lstStyle/>
-          <a:p>
-            <a:r>
-              <a:rPr lang="en-US" dirty="0" smtClean="0"/>
-              <a:t>Variable names can contain letters, numbers and underscores</a:t>
-            </a:r>
-          </a:p>
-          <a:p>
-            <a:r>
-              <a:rPr lang="en-US" dirty="0" smtClean="0"/>
-              <a:t>Case sensitive</a:t>
-            </a:r>
-          </a:p>
-          <a:p>
-            <a:r>
-              <a:rPr lang="en-US" b="1" dirty="0" smtClean="0"/>
-              <a:t>Cannot</a:t>
-            </a:r>
-            <a:r>
-              <a:rPr lang="en-US" dirty="0" smtClean="0"/>
-              <a:t> start from number (digit)</a:t>
-            </a:r>
-          </a:p>
-          <a:p>
-            <a:r>
-              <a:rPr lang="en-US" b="1" dirty="0" smtClean="0"/>
-              <a:t>Cannot</a:t>
-            </a:r>
-            <a:r>
-              <a:rPr lang="en-US" dirty="0" smtClean="0"/>
-              <a:t> be longer than 255 characters</a:t>
-            </a:r>
-          </a:p>
-          <a:p>
-            <a:r>
-              <a:rPr lang="en-US" dirty="0" smtClean="0"/>
-              <a:t> you may use “reserved words”</a:t>
-            </a:r>
-            <a:endParaRPr lang="en-US" dirty="0"/>
-          </a:p>
-        </p:txBody>
-      </p:sp>
-    </p:spTree>
-  </p:cSld>
-  <p:clrMapOvr>
-    <a:masterClrMapping/>
-  </p:clrMapOvr>
-  <p:timing>
-    <p:tnLst>
-      <p:par>
-        <p:cTn id="1" dur="indefinite" restart="never" nodeType="tmRoot"/>
-      </p:par>
-    </p:tnLst>
-  </p:timing>
-</p:sld>
-</file>
-
 <file path=ppt/slides/slide3.xml><?xml version="1.0" encoding="utf-8"?>
 <p:sld xmlns:a="http://schemas.openxmlformats.org/drawingml/2006/main" xmlns:r="http://schemas.openxmlformats.org/officeDocument/2006/relationships" xmlns:p="http://schemas.openxmlformats.org/presentationml/2006/main">
   <p:cSld>
@@ -13503,6 +13535,118 @@
       </p:grpSpPr>
       <p:sp>
         <p:nvSpPr>
+          <p:cNvPr id="2" name="Title 1"/>
+          <p:cNvSpPr>
+            <a:spLocks noGrp="1"/>
+          </p:cNvSpPr>
+          <p:nvPr>
+            <p:ph type="title"/>
+          </p:nvPr>
+        </p:nvSpPr>
+        <p:spPr/>
+        <p:txBody>
+          <a:bodyPr/>
+          <a:lstStyle/>
+          <a:p>
+            <a:r>
+              <a:rPr lang="pt-BR" dirty="0" smtClean="0"/>
+              <a:t>Variable naming conventions </a:t>
+            </a:r>
+            <a:endParaRPr lang="en-US" dirty="0"/>
+          </a:p>
+        </p:txBody>
+      </p:sp>
+      <p:sp>
+        <p:nvSpPr>
+          <p:cNvPr id="3" name="Content Placeholder 2"/>
+          <p:cNvSpPr>
+            <a:spLocks noGrp="1"/>
+          </p:cNvSpPr>
+          <p:nvPr>
+            <p:ph idx="1"/>
+          </p:nvPr>
+        </p:nvSpPr>
+        <p:spPr/>
+        <p:txBody>
+          <a:bodyPr>
+            <a:normAutofit/>
+          </a:bodyPr>
+          <a:lstStyle/>
+          <a:p>
+            <a:r>
+              <a:rPr lang="en-US" dirty="0" smtClean="0"/>
+              <a:t>Variable names can contain letters, numbers and underscores</a:t>
+            </a:r>
+          </a:p>
+          <a:p>
+            <a:r>
+              <a:rPr lang="en-US" dirty="0" smtClean="0"/>
+              <a:t>Case sensitive</a:t>
+            </a:r>
+          </a:p>
+          <a:p>
+            <a:r>
+              <a:rPr lang="en-US" b="1" dirty="0" smtClean="0"/>
+              <a:t>Cannot</a:t>
+            </a:r>
+            <a:r>
+              <a:rPr lang="en-US" dirty="0" smtClean="0"/>
+              <a:t> start from number (digit)</a:t>
+            </a:r>
+          </a:p>
+          <a:p>
+            <a:r>
+              <a:rPr lang="en-US" b="1" dirty="0" smtClean="0"/>
+              <a:t>Cannot</a:t>
+            </a:r>
+            <a:r>
+              <a:rPr lang="en-US" dirty="0" smtClean="0"/>
+              <a:t> be longer than 255 characters</a:t>
+            </a:r>
+          </a:p>
+          <a:p>
+            <a:r>
+              <a:rPr lang="en-US" dirty="0" smtClean="0"/>
+              <a:t> you may use “reserved words”</a:t>
+            </a:r>
+            <a:endParaRPr lang="en-US" dirty="0"/>
+          </a:p>
+        </p:txBody>
+      </p:sp>
+    </p:spTree>
+  </p:cSld>
+  <p:clrMapOvr>
+    <a:masterClrMapping/>
+  </p:clrMapOvr>
+  <p:timing>
+    <p:tnLst>
+      <p:par>
+        <p:cTn id="1" dur="indefinite" restart="never" nodeType="tmRoot"/>
+      </p:par>
+    </p:tnLst>
+  </p:timing>
+</p:sld>
+</file>
+
+<file path=ppt/slides/slide31.xml><?xml version="1.0" encoding="utf-8"?>
+<p:sld xmlns:a="http://schemas.openxmlformats.org/drawingml/2006/main" xmlns:r="http://schemas.openxmlformats.org/officeDocument/2006/relationships" xmlns:p="http://schemas.openxmlformats.org/presentationml/2006/main">
+  <p:cSld>
+    <p:spTree>
+      <p:nvGrpSpPr>
+        <p:cNvPr id="1" name=""/>
+        <p:cNvGrpSpPr/>
+        <p:nvPr/>
+      </p:nvGrpSpPr>
+      <p:grpSpPr>
+        <a:xfrm>
+          <a:off x="0" y="0"/>
+          <a:ext cx="0" cy="0"/>
+          <a:chOff x="0" y="0"/>
+          <a:chExt cx="0" cy="0"/>
+        </a:xfrm>
+      </p:grpSpPr>
+      <p:sp>
+        <p:nvSpPr>
           <p:cNvPr id="4" name="Title 3"/>
           <p:cNvSpPr>
             <a:spLocks noGrp="1"/>
@@ -13678,11 +13822,7 @@
           <a:p>
             <a:r>
               <a:rPr lang="pt-BR" dirty="0" smtClean="0"/>
-              <a:t>$</a:t>
-            </a:r>
-            <a:r>
-              <a:rPr lang="pt-BR" dirty="0" smtClean="0"/>
-              <a:t>1</a:t>
+              <a:t>$1</a:t>
             </a:r>
           </a:p>
           <a:p>
@@ -13702,7 +13842,7 @@
 </p:sld>
 </file>
 
-<file path=ppt/slides/slide31.xml><?xml version="1.0" encoding="utf-8"?>
+<file path=ppt/slides/slide32.xml><?xml version="1.0" encoding="utf-8"?>
 <p:sld xmlns:a="http://schemas.openxmlformats.org/drawingml/2006/main" xmlns:r="http://schemas.openxmlformats.org/officeDocument/2006/relationships" xmlns:p="http://schemas.openxmlformats.org/presentationml/2006/main">
   <p:cSld>
     <p:spTree>
@@ -13851,7 +13991,7 @@
 </p:sld>
 </file>
 
-<file path=ppt/slides/slide32.xml><?xml version="1.0" encoding="utf-8"?>
+<file path=ppt/slides/slide33.xml><?xml version="1.0" encoding="utf-8"?>
 <p:sld xmlns:a="http://schemas.openxmlformats.org/drawingml/2006/main" xmlns:r="http://schemas.openxmlformats.org/officeDocument/2006/relationships" xmlns:p="http://schemas.openxmlformats.org/presentationml/2006/main">
   <p:cSld>
     <p:spTree>
@@ -13963,141 +14103,6 @@
 </p:sld>
 </file>
 
-<file path=ppt/slides/slide33.xml><?xml version="1.0" encoding="utf-8"?>
-<p:sld xmlns:a="http://schemas.openxmlformats.org/drawingml/2006/main" xmlns:r="http://schemas.openxmlformats.org/officeDocument/2006/relationships" xmlns:p="http://schemas.openxmlformats.org/presentationml/2006/main">
-  <p:cSld>
-    <p:spTree>
-      <p:nvGrpSpPr>
-        <p:cNvPr id="1" name=""/>
-        <p:cNvGrpSpPr/>
-        <p:nvPr/>
-      </p:nvGrpSpPr>
-      <p:grpSpPr>
-        <a:xfrm>
-          <a:off x="0" y="0"/>
-          <a:ext cx="0" cy="0"/>
-          <a:chOff x="0" y="0"/>
-          <a:chExt cx="0" cy="0"/>
-        </a:xfrm>
-      </p:grpSpPr>
-      <p:sp>
-        <p:nvSpPr>
-          <p:cNvPr id="2" name="Title 1"/>
-          <p:cNvSpPr>
-            <a:spLocks noGrp="1"/>
-          </p:cNvSpPr>
-          <p:nvPr>
-            <p:ph type="title"/>
-          </p:nvPr>
-        </p:nvSpPr>
-        <p:spPr/>
-        <p:txBody>
-          <a:bodyPr/>
-          <a:lstStyle/>
-          <a:p>
-            <a:r>
-              <a:rPr lang="pt-BR" dirty="0" smtClean="0"/>
-              <a:t>Operators</a:t>
-            </a:r>
-            <a:endParaRPr lang="en-US" dirty="0"/>
-          </a:p>
-        </p:txBody>
-      </p:sp>
-      <p:sp>
-        <p:nvSpPr>
-          <p:cNvPr id="3" name="Content Placeholder 2"/>
-          <p:cNvSpPr>
-            <a:spLocks noGrp="1"/>
-          </p:cNvSpPr>
-          <p:nvPr>
-            <p:ph idx="1"/>
-          </p:nvPr>
-        </p:nvSpPr>
-        <p:spPr>
-          <a:xfrm>
-            <a:off x="457200" y="1200150"/>
-            <a:ext cx="8229600" cy="3836084"/>
-          </a:xfrm>
-        </p:spPr>
-        <p:txBody>
-          <a:bodyPr>
-            <a:normAutofit lnSpcReduction="10000"/>
-          </a:bodyPr>
-          <a:lstStyle/>
-          <a:p>
-            <a:r>
-              <a:rPr lang="pt-BR" dirty="0" smtClean="0"/>
-              <a:t>Elements that operates on data called operators.</a:t>
-            </a:r>
-          </a:p>
-          <a:p>
-            <a:pPr lvl="1"/>
-            <a:r>
-              <a:rPr lang="pt-BR" dirty="0" smtClean="0"/>
-              <a:t>E.g : 1 + 4 , + is an operator </a:t>
-            </a:r>
-          </a:p>
-          <a:p>
-            <a:r>
-              <a:rPr lang="en-US" b="1" dirty="0" smtClean="0"/>
-              <a:t>Arithmetic operators </a:t>
-            </a:r>
-            <a:r>
-              <a:rPr lang="en-US" dirty="0" smtClean="0"/>
-              <a:t>manipulate on numeric scalar data.</a:t>
-            </a:r>
-          </a:p>
-          <a:p>
-            <a:r>
-              <a:rPr lang="en-US" b="1" dirty="0" smtClean="0"/>
-              <a:t>Assignment operators </a:t>
-            </a:r>
-            <a:r>
-              <a:rPr lang="en-US" dirty="0" smtClean="0"/>
-              <a:t>are used to assign data to a scalar or list.</a:t>
-            </a:r>
-          </a:p>
-          <a:p>
-            <a:r>
-              <a:rPr lang="en-US" b="1" dirty="0" smtClean="0"/>
-              <a:t>Comparison operators </a:t>
-            </a:r>
-            <a:r>
-              <a:rPr lang="en-US" dirty="0" smtClean="0"/>
-              <a:t>are used to compare two pieces of scalar data.</a:t>
-            </a:r>
-          </a:p>
-          <a:p>
-            <a:r>
-              <a:rPr lang="en-US" b="1" dirty="0" smtClean="0"/>
-              <a:t>Logical operators </a:t>
-            </a:r>
-            <a:r>
-              <a:rPr lang="en-US" dirty="0" smtClean="0"/>
-              <a:t>can be used to do some Boolean logic calculations.</a:t>
-            </a:r>
-          </a:p>
-          <a:p>
-            <a:r>
-              <a:rPr lang="en-US" b="1" dirty="0" smtClean="0"/>
-              <a:t>String manipulation operators </a:t>
-            </a:r>
-            <a:r>
-              <a:rPr lang="en-US" dirty="0" smtClean="0"/>
-              <a:t>manipulate on strings.</a:t>
-            </a:r>
-            <a:endParaRPr lang="en-US" dirty="0"/>
-          </a:p>
-        </p:txBody>
-      </p:sp>
-    </p:spTree>
-  </p:cSld>
-  <p:clrMapOvr>
-    <a:masterClrMapping/>
-  </p:clrMapOvr>
-</p:sld>
-</file>
-
 <file path=ppt/slides/slide34.xml><?xml version="1.0" encoding="utf-8"?>
 <p:sld xmlns:a="http://schemas.openxmlformats.org/drawingml/2006/main" xmlns:r="http://schemas.openxmlformats.org/officeDocument/2006/relationships" xmlns:p="http://schemas.openxmlformats.org/presentationml/2006/main">
   <p:cSld>
@@ -14131,8 +14136,8 @@
           <a:lstStyle/>
           <a:p>
             <a:r>
-              <a:rPr lang="en-US" dirty="0" smtClean="0"/>
-              <a:t>Arithmetic operators</a:t>
+              <a:rPr lang="pt-BR" dirty="0" smtClean="0"/>
+              <a:t>Scalar operators</a:t>
             </a:r>
             <a:endParaRPr lang="en-US" dirty="0"/>
           </a:p>
@@ -14148,191 +14153,78 @@
             <p:ph idx="1"/>
           </p:nvPr>
         </p:nvSpPr>
-        <p:spPr/>
+        <p:spPr>
+          <a:xfrm>
+            <a:off x="457200" y="1200150"/>
+            <a:ext cx="8229600" cy="3836084"/>
+          </a:xfrm>
+        </p:spPr>
         <p:txBody>
           <a:bodyPr>
-            <a:normAutofit/>
+            <a:normAutofit lnSpcReduction="10000"/>
           </a:bodyPr>
           <a:lstStyle/>
           <a:p>
             <a:r>
+              <a:rPr lang="pt-BR" dirty="0" smtClean="0"/>
+              <a:t>Elements that operates on data called operators.</a:t>
+            </a:r>
+          </a:p>
+          <a:p>
+            <a:pPr lvl="1"/>
+            <a:r>
+              <a:rPr lang="pt-BR" dirty="0" smtClean="0"/>
+              <a:t>E.g : 1 + 4 , + is an operator </a:t>
+            </a:r>
+          </a:p>
+          <a:p>
+            <a:r>
+              <a:rPr lang="en-US" b="1" dirty="0" smtClean="0"/>
+              <a:t>Arithmetic operators </a:t>
+            </a:r>
+            <a:r>
               <a:rPr lang="en-US" dirty="0" smtClean="0"/>
-              <a:t>$variable1 = 1000000 </a:t>
-            </a:r>
-            <a:r>
-              <a:rPr lang="en-US" dirty="0" smtClean="0">
-                <a:solidFill>
-                  <a:srgbClr val="FF0000"/>
-                </a:solidFill>
-              </a:rPr>
-              <a:t>+</a:t>
+              <a:t>manipulate on numeric scalar data.</a:t>
+            </a:r>
+          </a:p>
+          <a:p>
+            <a:r>
+              <a:rPr lang="en-US" b="1" dirty="0" smtClean="0"/>
+              <a:t>Assignment operators </a:t>
             </a:r>
             <a:r>
               <a:rPr lang="en-US" dirty="0" smtClean="0"/>
-              <a:t> 222; </a:t>
-            </a:r>
-          </a:p>
-          <a:p>
+              <a:t>are used to assign data to a scalar or list.</a:t>
+            </a:r>
+          </a:p>
+          <a:p>
+            <a:r>
+              <a:rPr lang="en-US" b="1" dirty="0" smtClean="0"/>
+              <a:t>Comparison operators </a:t>
+            </a:r>
             <a:r>
               <a:rPr lang="en-US" dirty="0" smtClean="0"/>
-              <a:t>$variable1 = 1000000 </a:t>
-            </a:r>
-            <a:r>
-              <a:rPr lang="en-US" dirty="0" smtClean="0">
-                <a:solidFill>
-                  <a:srgbClr val="FF0000"/>
-                </a:solidFill>
-              </a:rPr>
-              <a:t>*</a:t>
+              <a:t>are used to compare two pieces of scalar data.</a:t>
+            </a:r>
+          </a:p>
+          <a:p>
+            <a:r>
+              <a:rPr lang="en-US" b="1" dirty="0" smtClean="0"/>
+              <a:t>Logical operators </a:t>
             </a:r>
             <a:r>
               <a:rPr lang="en-US" dirty="0" smtClean="0"/>
-              <a:t> 222; </a:t>
-            </a:r>
-          </a:p>
-          <a:p>
+              <a:t>can be used to do some Boolean logic calculations.</a:t>
+            </a:r>
+          </a:p>
+          <a:p>
+            <a:r>
+              <a:rPr lang="en-US" b="1" dirty="0" smtClean="0"/>
+              <a:t>String manipulation operators </a:t>
+            </a:r>
             <a:r>
               <a:rPr lang="en-US" dirty="0" smtClean="0"/>
-              <a:t>$variable1 = 1000000 </a:t>
-            </a:r>
-            <a:r>
-              <a:rPr lang="en-US" dirty="0" smtClean="0">
-                <a:solidFill>
-                  <a:srgbClr val="FF0000"/>
-                </a:solidFill>
-              </a:rPr>
-              <a:t>-</a:t>
-            </a:r>
-            <a:r>
-              <a:rPr lang="en-US" dirty="0" smtClean="0"/>
-              <a:t> 222; </a:t>
-            </a:r>
-          </a:p>
-          <a:p>
-            <a:r>
-              <a:rPr lang="en-US" dirty="0" smtClean="0"/>
-              <a:t>$variable1 = 1000000 </a:t>
-            </a:r>
-            <a:r>
-              <a:rPr lang="en-US" dirty="0" smtClean="0">
-                <a:solidFill>
-                  <a:srgbClr val="FF0000"/>
-                </a:solidFill>
-              </a:rPr>
-              <a:t>/</a:t>
-            </a:r>
-            <a:r>
-              <a:rPr lang="en-US" dirty="0" smtClean="0"/>
-              <a:t> 222; </a:t>
-            </a:r>
-          </a:p>
-          <a:p>
-            <a:r>
-              <a:rPr lang="en-US" dirty="0" smtClean="0"/>
-              <a:t>$variable1 = 121</a:t>
-            </a:r>
-            <a:r>
-              <a:rPr lang="en-US" dirty="0" smtClean="0">
-                <a:solidFill>
-                  <a:srgbClr val="FF0000"/>
-                </a:solidFill>
-              </a:rPr>
-              <a:t>**</a:t>
-            </a:r>
-            <a:r>
-              <a:rPr lang="en-US" dirty="0" smtClean="0"/>
-              <a:t>3; 	# </a:t>
-            </a:r>
-            <a:r>
-              <a:rPr lang="en-US" dirty="0" smtClean="0"/>
-              <a:t>(121)</a:t>
-            </a:r>
-            <a:r>
-              <a:rPr lang="en-US" baseline="30000" dirty="0" smtClean="0"/>
-              <a:t>3</a:t>
-            </a:r>
-            <a:r>
-              <a:rPr lang="en-US" dirty="0" smtClean="0"/>
-              <a:t>=1771561 </a:t>
-            </a:r>
-            <a:r>
-              <a:rPr lang="en-US" dirty="0" smtClean="0"/>
-              <a:t>or </a:t>
-            </a:r>
-            <a:r>
-              <a:rPr lang="en-US" dirty="0" smtClean="0">
-                <a:solidFill>
-                  <a:srgbClr val="FF0000"/>
-                </a:solidFill>
-              </a:rPr>
-              <a:t>^</a:t>
-            </a:r>
-          </a:p>
-          <a:p>
-            <a:r>
-              <a:rPr lang="en-US" dirty="0" smtClean="0"/>
-              <a:t>$variable1 = </a:t>
-            </a:r>
-            <a:r>
-              <a:rPr lang="en-US" dirty="0" smtClean="0"/>
-              <a:t>10 </a:t>
-            </a:r>
-            <a:r>
-              <a:rPr lang="en-US" dirty="0" smtClean="0">
-                <a:solidFill>
-                  <a:srgbClr val="FF0000"/>
-                </a:solidFill>
-              </a:rPr>
-              <a:t>%</a:t>
-            </a:r>
-            <a:r>
-              <a:rPr lang="en-US" dirty="0" smtClean="0"/>
-              <a:t> </a:t>
-            </a:r>
-            <a:r>
-              <a:rPr lang="en-US" dirty="0" smtClean="0"/>
-              <a:t>3; 	# </a:t>
-            </a:r>
-            <a:r>
-              <a:rPr lang="en-US" dirty="0" smtClean="0"/>
-              <a:t>remainder </a:t>
-            </a:r>
-            <a:r>
-              <a:rPr lang="en-US" dirty="0" smtClean="0"/>
-              <a:t>=</a:t>
-            </a:r>
-            <a:r>
-              <a:rPr lang="en-US" dirty="0" smtClean="0"/>
-              <a:t>1</a:t>
-            </a:r>
-            <a:endParaRPr lang="en-US" dirty="0" smtClean="0"/>
-          </a:p>
-          <a:p>
-            <a:r>
-              <a:rPr lang="en-US" dirty="0" smtClean="0"/>
-              <a:t>$variable1++ ; </a:t>
-            </a:r>
-            <a:r>
-              <a:rPr lang="en-US" dirty="0" smtClean="0"/>
-              <a:t>		# </a:t>
-            </a:r>
-            <a:r>
-              <a:rPr lang="en-US" dirty="0" smtClean="0"/>
-              <a:t>increase value by 1 </a:t>
-            </a:r>
-          </a:p>
-          <a:p>
-            <a:r>
-              <a:rPr lang="en-US" dirty="0" smtClean="0"/>
-              <a:t>$variable1-- ; </a:t>
-            </a:r>
-            <a:r>
-              <a:rPr lang="en-US" dirty="0" smtClean="0"/>
-              <a:t>		# </a:t>
-            </a:r>
-            <a:r>
-              <a:rPr lang="en-US" dirty="0" smtClean="0"/>
-              <a:t>decrease value by 1</a:t>
+              <a:t>manipulate on strings.</a:t>
             </a:r>
             <a:endParaRPr lang="en-US" dirty="0"/>
           </a:p>
@@ -14380,333 +14272,167 @@
           <a:p>
             <a:r>
               <a:rPr lang="en-US" dirty="0" smtClean="0"/>
-              <a:t>Assignment operators</a:t>
+              <a:t>Arithmetic operators</a:t>
             </a:r>
             <a:endParaRPr lang="en-US" dirty="0"/>
           </a:p>
         </p:txBody>
       </p:sp>
-      <p:graphicFrame>
-        <p:nvGraphicFramePr>
-          <p:cNvPr id="4" name="Table 3"/>
-          <p:cNvGraphicFramePr>
-            <a:graphicFrameLocks noGrp="1"/>
-          </p:cNvGraphicFramePr>
-          <p:nvPr/>
-        </p:nvGraphicFramePr>
-        <p:xfrm>
-          <a:off x="968326" y="1433049"/>
-          <a:ext cx="7612966" cy="3235960"/>
-        </p:xfrm>
-        <a:graphic>
-          <a:graphicData uri="http://schemas.openxmlformats.org/drawingml/2006/table">
-            <a:tbl>
-              <a:tblPr firstRow="1" bandRow="1">
-                <a:tableStyleId>{5C22544A-7EE6-4342-B048-85BDC9FD1C3A}</a:tableStyleId>
-              </a:tblPr>
-              <a:tblGrid>
-                <a:gridCol w="3097237"/>
-                <a:gridCol w="4515729"/>
-              </a:tblGrid>
-              <a:tr h="370840">
-                <a:tc>
-                  <a:txBody>
-                    <a:bodyPr/>
-                    <a:lstStyle/>
-                    <a:p>
-                      <a:r>
-                        <a:rPr lang="pt-BR" dirty="0" smtClean="0"/>
-                        <a:t>Operators</a:t>
-                      </a:r>
-                      <a:endParaRPr lang="en-US" dirty="0"/>
-                    </a:p>
-                  </a:txBody>
-                  <a:tcPr/>
-                </a:tc>
-                <a:tc>
-                  <a:txBody>
-                    <a:bodyPr/>
-                    <a:lstStyle/>
-                    <a:p>
-                      <a:r>
-                        <a:rPr lang="pt-BR" dirty="0" smtClean="0"/>
-                        <a:t>Examples</a:t>
-                      </a:r>
-                      <a:endParaRPr lang="en-US" dirty="0"/>
-                    </a:p>
-                  </a:txBody>
-                  <a:tcPr/>
-                </a:tc>
-              </a:tr>
-              <a:tr h="370840">
-                <a:tc>
-                  <a:txBody>
-                    <a:bodyPr/>
-                    <a:lstStyle/>
-                    <a:p>
-                      <a:r>
-                        <a:rPr lang="pt-BR" dirty="0" smtClean="0"/>
-                        <a:t>= (assign)</a:t>
-                      </a:r>
-                      <a:endParaRPr lang="en-US" dirty="0"/>
-                    </a:p>
-                  </a:txBody>
-                  <a:tcPr/>
-                </a:tc>
-                <a:tc>
-                  <a:txBody>
-                    <a:bodyPr/>
-                    <a:lstStyle/>
-                    <a:p>
-                      <a:r>
-                        <a:rPr lang="pt-BR" dirty="0" smtClean="0"/>
-                        <a:t>$a =$b</a:t>
-                      </a:r>
-                      <a:r>
-                        <a:rPr lang="pt-BR" baseline="0" dirty="0" smtClean="0"/>
-                        <a:t> + $c; means add $b + $c and assign to $a</a:t>
-                      </a:r>
-                      <a:endParaRPr lang="en-US" dirty="0"/>
-                    </a:p>
-                  </a:txBody>
-                  <a:tcPr/>
-                </a:tc>
-              </a:tr>
-              <a:tr h="370840">
-                <a:tc>
-                  <a:txBody>
-                    <a:bodyPr/>
-                    <a:lstStyle/>
-                    <a:p>
-                      <a:r>
-                        <a:rPr lang="pt-BR" dirty="0" smtClean="0"/>
-                        <a:t>+= (add and</a:t>
-                      </a:r>
-                      <a:r>
-                        <a:rPr lang="pt-BR" baseline="0" dirty="0" smtClean="0"/>
-                        <a:t> assign</a:t>
-                      </a:r>
-                      <a:r>
-                        <a:rPr lang="pt-BR" dirty="0" smtClean="0"/>
-                        <a:t>)</a:t>
-                      </a:r>
-                      <a:endParaRPr lang="en-US" dirty="0"/>
-                    </a:p>
-                  </a:txBody>
-                  <a:tcPr/>
-                </a:tc>
-                <a:tc>
-                  <a:txBody>
-                    <a:bodyPr/>
-                    <a:lstStyle/>
-                    <a:p>
-                      <a:r>
-                        <a:rPr lang="pt-BR" dirty="0" smtClean="0"/>
-                        <a:t>$a+=$b;  means $a = $a+$b;</a:t>
-                      </a:r>
-                      <a:endParaRPr lang="en-US" dirty="0"/>
-                    </a:p>
-                  </a:txBody>
-                  <a:tcPr/>
-                </a:tc>
-              </a:tr>
-              <a:tr h="370840">
-                <a:tc>
-                  <a:txBody>
-                    <a:bodyPr/>
-                    <a:lstStyle/>
-                    <a:p>
-                      <a:r>
-                        <a:rPr lang="pt-BR" dirty="0" smtClean="0"/>
-                        <a:t>*= (multiply and asign)</a:t>
-                      </a:r>
-                      <a:endParaRPr lang="en-US" dirty="0"/>
-                    </a:p>
-                  </a:txBody>
-                  <a:tcPr/>
-                </a:tc>
-                <a:tc>
-                  <a:txBody>
-                    <a:bodyPr/>
-                    <a:lstStyle/>
-                    <a:p>
-                      <a:pPr marL="0" marR="0" indent="0" algn="l" defTabSz="914400" rtl="0" eaLnBrk="1" fontAlgn="auto" latinLnBrk="0" hangingPunct="1">
-                        <a:lnSpc>
-                          <a:spcPct val="100000"/>
-                        </a:lnSpc>
-                        <a:spcBef>
-                          <a:spcPts val="0"/>
-                        </a:spcBef>
-                        <a:spcAft>
-                          <a:spcPts val="0"/>
-                        </a:spcAft>
-                        <a:buClrTx/>
-                        <a:buSzTx/>
-                        <a:buFontTx/>
-                        <a:buNone/>
-                        <a:tabLst/>
-                        <a:defRPr/>
-                      </a:pPr>
-                      <a:r>
-                        <a:rPr lang="pt-BR" dirty="0" smtClean="0"/>
-                        <a:t>$a*=$b;  means $a = $a*$b;</a:t>
-                      </a:r>
-                      <a:endParaRPr lang="en-US" dirty="0" smtClean="0"/>
-                    </a:p>
-                  </a:txBody>
-                  <a:tcPr/>
-                </a:tc>
-              </a:tr>
-              <a:tr h="370840">
-                <a:tc>
-                  <a:txBody>
-                    <a:bodyPr/>
-                    <a:lstStyle/>
-                    <a:p>
-                      <a:r>
-                        <a:rPr lang="pt-BR" dirty="0" smtClean="0"/>
-                        <a:t>-= (subtract</a:t>
-                      </a:r>
-                      <a:r>
-                        <a:rPr lang="pt-BR" baseline="0" dirty="0" smtClean="0"/>
-                        <a:t> and assign</a:t>
-                      </a:r>
-                      <a:r>
-                        <a:rPr lang="pt-BR" dirty="0" smtClean="0"/>
-                        <a:t>)</a:t>
-                      </a:r>
-                      <a:endParaRPr lang="en-US" dirty="0"/>
-                    </a:p>
-                  </a:txBody>
-                  <a:tcPr/>
-                </a:tc>
-                <a:tc>
-                  <a:txBody>
-                    <a:bodyPr/>
-                    <a:lstStyle/>
-                    <a:p>
-                      <a:pPr marL="0" marR="0" indent="0" algn="l" defTabSz="914400" rtl="0" eaLnBrk="1" fontAlgn="auto" latinLnBrk="0" hangingPunct="1">
-                        <a:lnSpc>
-                          <a:spcPct val="100000"/>
-                        </a:lnSpc>
-                        <a:spcBef>
-                          <a:spcPts val="0"/>
-                        </a:spcBef>
-                        <a:spcAft>
-                          <a:spcPts val="0"/>
-                        </a:spcAft>
-                        <a:buClrTx/>
-                        <a:buSzTx/>
-                        <a:buFontTx/>
-                        <a:buNone/>
-                        <a:tabLst/>
-                        <a:defRPr/>
-                      </a:pPr>
-                      <a:r>
-                        <a:rPr lang="pt-BR" dirty="0" smtClean="0"/>
-                        <a:t>$a-=$b;  means $a = $a-$b;</a:t>
-                      </a:r>
-                      <a:endParaRPr lang="en-US" dirty="0"/>
-                    </a:p>
-                  </a:txBody>
-                  <a:tcPr/>
-                </a:tc>
-              </a:tr>
-              <a:tr h="370840">
-                <a:tc>
-                  <a:txBody>
-                    <a:bodyPr/>
-                    <a:lstStyle/>
-                    <a:p>
-                      <a:r>
-                        <a:rPr lang="pt-BR" dirty="0" smtClean="0"/>
-                        <a:t>.= (concatenate and assign )</a:t>
-                      </a:r>
-                      <a:endParaRPr lang="en-US" dirty="0"/>
-                    </a:p>
-                  </a:txBody>
-                  <a:tcPr/>
-                </a:tc>
-                <a:tc>
-                  <a:txBody>
-                    <a:bodyPr/>
-                    <a:lstStyle/>
-                    <a:p>
-                      <a:pPr marL="0" marR="0" indent="0" algn="l" defTabSz="914400" rtl="0" eaLnBrk="1" fontAlgn="auto" latinLnBrk="0" hangingPunct="1">
-                        <a:lnSpc>
-                          <a:spcPct val="100000"/>
-                        </a:lnSpc>
-                        <a:spcBef>
-                          <a:spcPts val="0"/>
-                        </a:spcBef>
-                        <a:spcAft>
-                          <a:spcPts val="0"/>
-                        </a:spcAft>
-                        <a:buClrTx/>
-                        <a:buSzTx/>
-                        <a:buFontTx/>
-                        <a:buNone/>
-                        <a:tabLst/>
-                        <a:defRPr/>
-                      </a:pPr>
-                      <a:r>
-                        <a:rPr lang="pt-BR" dirty="0" smtClean="0"/>
-                        <a:t>$a.=$b;  means $a = $a.$b;</a:t>
-                      </a:r>
-                      <a:endParaRPr lang="en-US" dirty="0"/>
-                    </a:p>
-                  </a:txBody>
-                  <a:tcPr/>
-                </a:tc>
-              </a:tr>
-              <a:tr h="370840">
-                <a:tc>
-                  <a:txBody>
-                    <a:bodyPr/>
-                    <a:lstStyle/>
-                    <a:p>
-                      <a:endParaRPr lang="en-US" dirty="0"/>
-                    </a:p>
-                  </a:txBody>
-                  <a:tcPr/>
-                </a:tc>
-                <a:tc>
-                  <a:txBody>
-                    <a:bodyPr/>
-                    <a:lstStyle/>
-                    <a:p>
-                      <a:endParaRPr lang="en-US"/>
-                    </a:p>
-                  </a:txBody>
-                  <a:tcPr/>
-                </a:tc>
-              </a:tr>
-              <a:tr h="370840">
-                <a:tc>
-                  <a:txBody>
-                    <a:bodyPr/>
-                    <a:lstStyle/>
-                    <a:p>
-                      <a:endParaRPr lang="en-US"/>
-                    </a:p>
-                  </a:txBody>
-                  <a:tcPr/>
-                </a:tc>
-                <a:tc>
-                  <a:txBody>
-                    <a:bodyPr/>
-                    <a:lstStyle/>
-                    <a:p>
-                      <a:endParaRPr lang="en-US" dirty="0"/>
-                    </a:p>
-                  </a:txBody>
-                  <a:tcPr/>
-                </a:tc>
-              </a:tr>
-            </a:tbl>
-          </a:graphicData>
-        </a:graphic>
-      </p:graphicFrame>
+      <p:sp>
+        <p:nvSpPr>
+          <p:cNvPr id="3" name="Content Placeholder 2"/>
+          <p:cNvSpPr>
+            <a:spLocks noGrp="1"/>
+          </p:cNvSpPr>
+          <p:nvPr>
+            <p:ph idx="1"/>
+          </p:nvPr>
+        </p:nvSpPr>
+        <p:spPr/>
+        <p:txBody>
+          <a:bodyPr>
+            <a:normAutofit/>
+          </a:bodyPr>
+          <a:lstStyle/>
+          <a:p>
+            <a:r>
+              <a:rPr lang="en-US" dirty="0" smtClean="0"/>
+              <a:t>$variable1 = 1000000 </a:t>
+            </a:r>
+            <a:r>
+              <a:rPr lang="en-US" dirty="0" smtClean="0">
+                <a:solidFill>
+                  <a:srgbClr val="FF0000"/>
+                </a:solidFill>
+              </a:rPr>
+              <a:t>+</a:t>
+            </a:r>
+            <a:r>
+              <a:rPr lang="en-US" dirty="0" smtClean="0"/>
+              <a:t> 222; </a:t>
+            </a:r>
+          </a:p>
+          <a:p>
+            <a:r>
+              <a:rPr lang="en-US" dirty="0" smtClean="0"/>
+              <a:t>$variable1 = 1000000 </a:t>
+            </a:r>
+            <a:r>
+              <a:rPr lang="en-US" dirty="0" smtClean="0">
+                <a:solidFill>
+                  <a:srgbClr val="FF0000"/>
+                </a:solidFill>
+              </a:rPr>
+              <a:t>*</a:t>
+            </a:r>
+            <a:r>
+              <a:rPr lang="en-US" dirty="0" smtClean="0"/>
+              <a:t> 222; </a:t>
+            </a:r>
+          </a:p>
+          <a:p>
+            <a:r>
+              <a:rPr lang="en-US" dirty="0" smtClean="0"/>
+              <a:t>$variable1 = 1000000 </a:t>
+            </a:r>
+            <a:r>
+              <a:rPr lang="en-US" dirty="0" smtClean="0">
+                <a:solidFill>
+                  <a:srgbClr val="FF0000"/>
+                </a:solidFill>
+              </a:rPr>
+              <a:t>-</a:t>
+            </a:r>
+            <a:r>
+              <a:rPr lang="en-US" dirty="0" smtClean="0"/>
+              <a:t> 222; </a:t>
+            </a:r>
+          </a:p>
+          <a:p>
+            <a:r>
+              <a:rPr lang="en-US" dirty="0" smtClean="0"/>
+              <a:t>$variable1 = 1000000 </a:t>
+            </a:r>
+            <a:r>
+              <a:rPr lang="en-US" dirty="0" smtClean="0">
+                <a:solidFill>
+                  <a:srgbClr val="FF0000"/>
+                </a:solidFill>
+              </a:rPr>
+              <a:t>/</a:t>
+            </a:r>
+            <a:r>
+              <a:rPr lang="en-US" dirty="0" smtClean="0"/>
+              <a:t> 222; </a:t>
+            </a:r>
+          </a:p>
+          <a:p>
+            <a:r>
+              <a:rPr lang="en-US" dirty="0" smtClean="0"/>
+              <a:t>$variable1 = 121</a:t>
+            </a:r>
+            <a:r>
+              <a:rPr lang="en-US" dirty="0" smtClean="0">
+                <a:solidFill>
+                  <a:srgbClr val="FF0000"/>
+                </a:solidFill>
+              </a:rPr>
+              <a:t>**</a:t>
+            </a:r>
+            <a:r>
+              <a:rPr lang="en-US" dirty="0" smtClean="0"/>
+              <a:t>3; 	# (121)</a:t>
+            </a:r>
+            <a:r>
+              <a:rPr lang="en-US" baseline="30000" dirty="0" smtClean="0"/>
+              <a:t>3</a:t>
+            </a:r>
+            <a:r>
+              <a:rPr lang="en-US" dirty="0" smtClean="0"/>
+              <a:t>=1771561 or </a:t>
+            </a:r>
+            <a:r>
+              <a:rPr lang="en-US" dirty="0" smtClean="0">
+                <a:solidFill>
+                  <a:srgbClr val="FF0000"/>
+                </a:solidFill>
+              </a:rPr>
+              <a:t>^</a:t>
+            </a:r>
+          </a:p>
+          <a:p>
+            <a:r>
+              <a:rPr lang="en-US" dirty="0" smtClean="0"/>
+              <a:t>$variable1 = 10 </a:t>
+            </a:r>
+            <a:r>
+              <a:rPr lang="en-US" dirty="0" smtClean="0">
+                <a:solidFill>
+                  <a:srgbClr val="FF0000"/>
+                </a:solidFill>
+              </a:rPr>
+              <a:t>%</a:t>
+            </a:r>
+            <a:r>
+              <a:rPr lang="en-US" dirty="0" smtClean="0"/>
+              <a:t> 3; 	# remainder =1</a:t>
+            </a:r>
+          </a:p>
+          <a:p>
+            <a:r>
+              <a:rPr lang="en-US" dirty="0" smtClean="0"/>
+              <a:t>$variable1++ ; 		# increase value by 1 </a:t>
+            </a:r>
+          </a:p>
+          <a:p>
+            <a:r>
+              <a:rPr lang="en-US" dirty="0" smtClean="0"/>
+              <a:t>$variable1-- ; 		# decrease value by 1</a:t>
+            </a:r>
+            <a:endParaRPr lang="en-US" dirty="0"/>
+          </a:p>
+        </p:txBody>
+      </p:sp>
     </p:spTree>
   </p:cSld>
   <p:clrMapOvr>
@@ -14749,6 +14475,375 @@
           <a:p>
             <a:r>
               <a:rPr lang="en-US" dirty="0" smtClean="0"/>
+              <a:t>Assignment operators</a:t>
+            </a:r>
+            <a:endParaRPr lang="en-US" dirty="0"/>
+          </a:p>
+        </p:txBody>
+      </p:sp>
+      <p:graphicFrame>
+        <p:nvGraphicFramePr>
+          <p:cNvPr id="4" name="Table 3"/>
+          <p:cNvGraphicFramePr>
+            <a:graphicFrameLocks noGrp="1"/>
+          </p:cNvGraphicFramePr>
+          <p:nvPr/>
+        </p:nvGraphicFramePr>
+        <p:xfrm>
+          <a:off x="968326" y="1433049"/>
+          <a:ext cx="7612966" cy="3235960"/>
+        </p:xfrm>
+        <a:graphic>
+          <a:graphicData uri="http://schemas.openxmlformats.org/drawingml/2006/table">
+            <a:tbl>
+              <a:tblPr firstRow="1" bandRow="1">
+                <a:tableStyleId>{5C22544A-7EE6-4342-B048-85BDC9FD1C3A}</a:tableStyleId>
+              </a:tblPr>
+              <a:tblGrid>
+                <a:gridCol w="3097237"/>
+                <a:gridCol w="4515729"/>
+              </a:tblGrid>
+              <a:tr h="370840">
+                <a:tc>
+                  <a:txBody>
+                    <a:bodyPr/>
+                    <a:lstStyle/>
+                    <a:p>
+                      <a:r>
+                        <a:rPr lang="pt-BR" dirty="0" smtClean="0"/>
+                        <a:t>Operators</a:t>
+                      </a:r>
+                      <a:endParaRPr lang="en-US" dirty="0"/>
+                    </a:p>
+                  </a:txBody>
+                  <a:tcPr/>
+                </a:tc>
+                <a:tc>
+                  <a:txBody>
+                    <a:bodyPr/>
+                    <a:lstStyle/>
+                    <a:p>
+                      <a:r>
+                        <a:rPr lang="pt-BR" dirty="0" smtClean="0"/>
+                        <a:t>Examples</a:t>
+                      </a:r>
+                      <a:endParaRPr lang="en-US" dirty="0"/>
+                    </a:p>
+                  </a:txBody>
+                  <a:tcPr/>
+                </a:tc>
+              </a:tr>
+              <a:tr h="370840">
+                <a:tc>
+                  <a:txBody>
+                    <a:bodyPr/>
+                    <a:lstStyle/>
+                    <a:p>
+                      <a:r>
+                        <a:rPr lang="pt-BR" dirty="0" smtClean="0"/>
+                        <a:t>= (assign)</a:t>
+                      </a:r>
+                      <a:endParaRPr lang="en-US" dirty="0"/>
+                    </a:p>
+                  </a:txBody>
+                  <a:tcPr/>
+                </a:tc>
+                <a:tc>
+                  <a:txBody>
+                    <a:bodyPr/>
+                    <a:lstStyle/>
+                    <a:p>
+                      <a:r>
+                        <a:rPr lang="pt-BR" dirty="0" smtClean="0"/>
+                        <a:t>$a =$b</a:t>
+                      </a:r>
+                      <a:r>
+                        <a:rPr lang="pt-BR" baseline="0" dirty="0" smtClean="0"/>
+                        <a:t> + $c; means add $b + $c and assign to $a</a:t>
+                      </a:r>
+                      <a:endParaRPr lang="en-US" dirty="0"/>
+                    </a:p>
+                  </a:txBody>
+                  <a:tcPr/>
+                </a:tc>
+              </a:tr>
+              <a:tr h="370840">
+                <a:tc>
+                  <a:txBody>
+                    <a:bodyPr/>
+                    <a:lstStyle/>
+                    <a:p>
+                      <a:r>
+                        <a:rPr lang="pt-BR" dirty="0" smtClean="0"/>
+                        <a:t>+= (add and</a:t>
+                      </a:r>
+                      <a:r>
+                        <a:rPr lang="pt-BR" baseline="0" dirty="0" smtClean="0"/>
+                        <a:t> assign</a:t>
+                      </a:r>
+                      <a:r>
+                        <a:rPr lang="pt-BR" dirty="0" smtClean="0"/>
+                        <a:t>)</a:t>
+                      </a:r>
+                      <a:endParaRPr lang="en-US" dirty="0"/>
+                    </a:p>
+                  </a:txBody>
+                  <a:tcPr/>
+                </a:tc>
+                <a:tc>
+                  <a:txBody>
+                    <a:bodyPr/>
+                    <a:lstStyle/>
+                    <a:p>
+                      <a:r>
+                        <a:rPr lang="pt-BR" dirty="0" smtClean="0"/>
+                        <a:t>$a+=$b;  means $a = $a+$b;</a:t>
+                      </a:r>
+                      <a:endParaRPr lang="en-US" dirty="0"/>
+                    </a:p>
+                  </a:txBody>
+                  <a:tcPr/>
+                </a:tc>
+              </a:tr>
+              <a:tr h="370840">
+                <a:tc>
+                  <a:txBody>
+                    <a:bodyPr/>
+                    <a:lstStyle/>
+                    <a:p>
+                      <a:r>
+                        <a:rPr lang="pt-BR" dirty="0" smtClean="0"/>
+                        <a:t>*= (multiply and asign)</a:t>
+                      </a:r>
+                      <a:endParaRPr lang="en-US" dirty="0"/>
+                    </a:p>
+                  </a:txBody>
+                  <a:tcPr/>
+                </a:tc>
+                <a:tc>
+                  <a:txBody>
+                    <a:bodyPr/>
+                    <a:lstStyle/>
+                    <a:p>
+                      <a:pPr marL="0" marR="0" indent="0" algn="l" defTabSz="914400" rtl="0" eaLnBrk="1" fontAlgn="auto" latinLnBrk="0" hangingPunct="1">
+                        <a:lnSpc>
+                          <a:spcPct val="100000"/>
+                        </a:lnSpc>
+                        <a:spcBef>
+                          <a:spcPts val="0"/>
+                        </a:spcBef>
+                        <a:spcAft>
+                          <a:spcPts val="0"/>
+                        </a:spcAft>
+                        <a:buClrTx/>
+                        <a:buSzTx/>
+                        <a:buFontTx/>
+                        <a:buNone/>
+                        <a:tabLst/>
+                        <a:defRPr/>
+                      </a:pPr>
+                      <a:r>
+                        <a:rPr lang="pt-BR" dirty="0" smtClean="0"/>
+                        <a:t>$a*=$b;  means $a = $a*$b;</a:t>
+                      </a:r>
+                      <a:endParaRPr lang="en-US" dirty="0" smtClean="0"/>
+                    </a:p>
+                  </a:txBody>
+                  <a:tcPr/>
+                </a:tc>
+              </a:tr>
+              <a:tr h="370840">
+                <a:tc>
+                  <a:txBody>
+                    <a:bodyPr/>
+                    <a:lstStyle/>
+                    <a:p>
+                      <a:r>
+                        <a:rPr lang="pt-BR" dirty="0" smtClean="0"/>
+                        <a:t>-= (subtract</a:t>
+                      </a:r>
+                      <a:r>
+                        <a:rPr lang="pt-BR" baseline="0" dirty="0" smtClean="0"/>
+                        <a:t> and assign</a:t>
+                      </a:r>
+                      <a:r>
+                        <a:rPr lang="pt-BR" dirty="0" smtClean="0"/>
+                        <a:t>)</a:t>
+                      </a:r>
+                      <a:endParaRPr lang="en-US" dirty="0"/>
+                    </a:p>
+                  </a:txBody>
+                  <a:tcPr/>
+                </a:tc>
+                <a:tc>
+                  <a:txBody>
+                    <a:bodyPr/>
+                    <a:lstStyle/>
+                    <a:p>
+                      <a:pPr marL="0" marR="0" indent="0" algn="l" defTabSz="914400" rtl="0" eaLnBrk="1" fontAlgn="auto" latinLnBrk="0" hangingPunct="1">
+                        <a:lnSpc>
+                          <a:spcPct val="100000"/>
+                        </a:lnSpc>
+                        <a:spcBef>
+                          <a:spcPts val="0"/>
+                        </a:spcBef>
+                        <a:spcAft>
+                          <a:spcPts val="0"/>
+                        </a:spcAft>
+                        <a:buClrTx/>
+                        <a:buSzTx/>
+                        <a:buFontTx/>
+                        <a:buNone/>
+                        <a:tabLst/>
+                        <a:defRPr/>
+                      </a:pPr>
+                      <a:r>
+                        <a:rPr lang="pt-BR" dirty="0" smtClean="0"/>
+                        <a:t>$a-=$b;  means $a = $a-$b;</a:t>
+                      </a:r>
+                      <a:endParaRPr lang="en-US" dirty="0"/>
+                    </a:p>
+                  </a:txBody>
+                  <a:tcPr/>
+                </a:tc>
+              </a:tr>
+              <a:tr h="370840">
+                <a:tc>
+                  <a:txBody>
+                    <a:bodyPr/>
+                    <a:lstStyle/>
+                    <a:p>
+                      <a:r>
+                        <a:rPr lang="pt-BR" dirty="0" smtClean="0"/>
+                        <a:t>.= (concatenate and assign )</a:t>
+                      </a:r>
+                      <a:endParaRPr lang="en-US" dirty="0"/>
+                    </a:p>
+                  </a:txBody>
+                  <a:tcPr/>
+                </a:tc>
+                <a:tc>
+                  <a:txBody>
+                    <a:bodyPr/>
+                    <a:lstStyle/>
+                    <a:p>
+                      <a:pPr marL="0" marR="0" indent="0" algn="l" defTabSz="914400" rtl="0" eaLnBrk="1" fontAlgn="auto" latinLnBrk="0" hangingPunct="1">
+                        <a:lnSpc>
+                          <a:spcPct val="100000"/>
+                        </a:lnSpc>
+                        <a:spcBef>
+                          <a:spcPts val="0"/>
+                        </a:spcBef>
+                        <a:spcAft>
+                          <a:spcPts val="0"/>
+                        </a:spcAft>
+                        <a:buClrTx/>
+                        <a:buSzTx/>
+                        <a:buFontTx/>
+                        <a:buNone/>
+                        <a:tabLst/>
+                        <a:defRPr/>
+                      </a:pPr>
+                      <a:r>
+                        <a:rPr lang="pt-BR" dirty="0" smtClean="0"/>
+                        <a:t>$a.=$b;  means $a = $a.$b;</a:t>
+                      </a:r>
+                      <a:endParaRPr lang="en-US" dirty="0"/>
+                    </a:p>
+                  </a:txBody>
+                  <a:tcPr/>
+                </a:tc>
+              </a:tr>
+              <a:tr h="370840">
+                <a:tc>
+                  <a:txBody>
+                    <a:bodyPr/>
+                    <a:lstStyle/>
+                    <a:p>
+                      <a:endParaRPr lang="en-US" dirty="0"/>
+                    </a:p>
+                  </a:txBody>
+                  <a:tcPr/>
+                </a:tc>
+                <a:tc>
+                  <a:txBody>
+                    <a:bodyPr/>
+                    <a:lstStyle/>
+                    <a:p>
+                      <a:endParaRPr lang="en-US"/>
+                    </a:p>
+                  </a:txBody>
+                  <a:tcPr/>
+                </a:tc>
+              </a:tr>
+              <a:tr h="370840">
+                <a:tc>
+                  <a:txBody>
+                    <a:bodyPr/>
+                    <a:lstStyle/>
+                    <a:p>
+                      <a:endParaRPr lang="en-US"/>
+                    </a:p>
+                  </a:txBody>
+                  <a:tcPr/>
+                </a:tc>
+                <a:tc>
+                  <a:txBody>
+                    <a:bodyPr/>
+                    <a:lstStyle/>
+                    <a:p>
+                      <a:endParaRPr lang="en-US" dirty="0"/>
+                    </a:p>
+                  </a:txBody>
+                  <a:tcPr/>
+                </a:tc>
+              </a:tr>
+            </a:tbl>
+          </a:graphicData>
+        </a:graphic>
+      </p:graphicFrame>
+    </p:spTree>
+  </p:cSld>
+  <p:clrMapOvr>
+    <a:masterClrMapping/>
+  </p:clrMapOvr>
+</p:sld>
+</file>
+
+<file path=ppt/slides/slide37.xml><?xml version="1.0" encoding="utf-8"?>
+<p:sld xmlns:a="http://schemas.openxmlformats.org/drawingml/2006/main" xmlns:r="http://schemas.openxmlformats.org/officeDocument/2006/relationships" xmlns:p="http://schemas.openxmlformats.org/presentationml/2006/main">
+  <p:cSld>
+    <p:spTree>
+      <p:nvGrpSpPr>
+        <p:cNvPr id="1" name=""/>
+        <p:cNvGrpSpPr/>
+        <p:nvPr/>
+      </p:nvGrpSpPr>
+      <p:grpSpPr>
+        <a:xfrm>
+          <a:off x="0" y="0"/>
+          <a:ext cx="0" cy="0"/>
+          <a:chOff x="0" y="0"/>
+          <a:chExt cx="0" cy="0"/>
+        </a:xfrm>
+      </p:grpSpPr>
+      <p:sp>
+        <p:nvSpPr>
+          <p:cNvPr id="2" name="Title 1"/>
+          <p:cNvSpPr>
+            <a:spLocks noGrp="1"/>
+          </p:cNvSpPr>
+          <p:nvPr>
+            <p:ph type="title"/>
+          </p:nvPr>
+        </p:nvSpPr>
+        <p:spPr/>
+        <p:txBody>
+          <a:bodyPr/>
+          <a:lstStyle/>
+          <a:p>
+            <a:r>
+              <a:rPr lang="en-US" dirty="0" smtClean="0"/>
               <a:t>Comparison operators</a:t>
             </a:r>
             <a:endParaRPr lang="en-US" dirty="0"/>
@@ -15144,7 +15239,7 @@
 </p:sld>
 </file>
 
-<file path=ppt/slides/slide37.xml><?xml version="1.0" encoding="utf-8"?>
+<file path=ppt/slides/slide38.xml><?xml version="1.0" encoding="utf-8"?>
 <p:sld xmlns:a="http://schemas.openxmlformats.org/drawingml/2006/main" xmlns:r="http://schemas.openxmlformats.org/officeDocument/2006/relationships" xmlns:p="http://schemas.openxmlformats.org/presentationml/2006/main">
   <p:cSld>
     <p:spTree>
@@ -15334,8 +15429,8 @@
         </p:blipFill>
         <p:spPr bwMode="auto">
           <a:xfrm>
-            <a:off x="576263" y="4067175"/>
-            <a:ext cx="1476375" cy="1200150"/>
+            <a:off x="690565" y="4333500"/>
+            <a:ext cx="996428" cy="810000"/>
           </a:xfrm>
           <a:prstGeom prst="rect">
             <a:avLst/>
@@ -15366,8 +15461,8 @@
         </p:blipFill>
         <p:spPr bwMode="auto">
           <a:xfrm>
-            <a:off x="3076575" y="4181475"/>
-            <a:ext cx="1581150" cy="1219200"/>
+            <a:off x="3467101" y="4333500"/>
+            <a:ext cx="1050469" cy="810000"/>
           </a:xfrm>
           <a:prstGeom prst="rect">
             <a:avLst/>
@@ -15398,8 +15493,8 @@
         </p:blipFill>
         <p:spPr bwMode="auto">
           <a:xfrm>
-            <a:off x="5657850" y="4191000"/>
-            <a:ext cx="1714500" cy="1371600"/>
+            <a:off x="5876925" y="4333500"/>
+            <a:ext cx="1012500" cy="810000"/>
           </a:xfrm>
           <a:prstGeom prst="rect">
             <a:avLst/>
@@ -15413,242 +15508,6 @@
           </a:ln>
         </p:spPr>
       </p:pic>
-    </p:spTree>
-  </p:cSld>
-  <p:clrMapOvr>
-    <a:masterClrMapping/>
-  </p:clrMapOvr>
-  <p:timing>
-    <p:tnLst>
-      <p:par>
-        <p:cTn id="1" dur="indefinite" restart="never" nodeType="tmRoot"/>
-      </p:par>
-    </p:tnLst>
-  </p:timing>
-</p:sld>
-</file>
-
-<file path=ppt/slides/slide38.xml><?xml version="1.0" encoding="utf-8"?>
-<p:sld xmlns:a="http://schemas.openxmlformats.org/drawingml/2006/main" xmlns:r="http://schemas.openxmlformats.org/officeDocument/2006/relationships" xmlns:p="http://schemas.openxmlformats.org/presentationml/2006/main">
-  <p:cSld>
-    <p:spTree>
-      <p:nvGrpSpPr>
-        <p:cNvPr id="1" name=""/>
-        <p:cNvGrpSpPr/>
-        <p:nvPr/>
-      </p:nvGrpSpPr>
-      <p:grpSpPr>
-        <a:xfrm>
-          <a:off x="0" y="0"/>
-          <a:ext cx="0" cy="0"/>
-          <a:chOff x="0" y="0"/>
-          <a:chExt cx="0" cy="0"/>
-        </a:xfrm>
-      </p:grpSpPr>
-      <p:sp>
-        <p:nvSpPr>
-          <p:cNvPr id="2" name="Title 1"/>
-          <p:cNvSpPr>
-            <a:spLocks noGrp="1"/>
-          </p:cNvSpPr>
-          <p:nvPr>
-            <p:ph type="title"/>
-          </p:nvPr>
-        </p:nvSpPr>
-        <p:spPr/>
-        <p:txBody>
-          <a:bodyPr/>
-          <a:lstStyle/>
-          <a:p>
-            <a:r>
-              <a:rPr lang="en-US" dirty="0" smtClean="0"/>
-              <a:t>String manipulation operators</a:t>
-            </a:r>
-            <a:endParaRPr lang="en-US" dirty="0"/>
-          </a:p>
-        </p:txBody>
-      </p:sp>
-      <p:sp>
-        <p:nvSpPr>
-          <p:cNvPr id="3" name="Content Placeholder 2"/>
-          <p:cNvSpPr>
-            <a:spLocks noGrp="1"/>
-          </p:cNvSpPr>
-          <p:nvPr>
-            <p:ph idx="1"/>
-          </p:nvPr>
-        </p:nvSpPr>
-        <p:spPr/>
-        <p:txBody>
-          <a:bodyPr/>
-          <a:lstStyle/>
-          <a:p>
-            <a:r>
-              <a:rPr lang="pt-BR" dirty="0" smtClean="0"/>
-              <a:t>x </a:t>
-            </a:r>
-          </a:p>
-          <a:p>
-            <a:pPr lvl="1"/>
-            <a:r>
-              <a:rPr lang="en-US" dirty="0" smtClean="0"/>
-              <a:t>String repetition </a:t>
-            </a:r>
-            <a:r>
-              <a:rPr lang="en-US" dirty="0" smtClean="0"/>
-              <a:t>operator</a:t>
-            </a:r>
-          </a:p>
-          <a:p>
-            <a:pPr lvl="2"/>
-            <a:r>
-              <a:rPr lang="en-US" dirty="0" smtClean="0"/>
-              <a:t>$</a:t>
-            </a:r>
-            <a:r>
-              <a:rPr lang="en-US" dirty="0" smtClean="0"/>
-              <a:t>str1 </a:t>
-            </a:r>
-            <a:r>
-              <a:rPr lang="en-US" dirty="0" smtClean="0"/>
-              <a:t>= "AAGT" x 3;    </a:t>
-            </a:r>
-            <a:r>
-              <a:rPr lang="en-US" dirty="0" smtClean="0"/>
-              <a:t>##equals to  </a:t>
-            </a:r>
-            <a:r>
-              <a:rPr lang="en-US" dirty="0" smtClean="0"/>
-              <a:t>"</a:t>
-            </a:r>
-            <a:r>
-              <a:rPr lang="en-US" b="1" dirty="0" smtClean="0"/>
-              <a:t>AAGT</a:t>
-            </a:r>
-            <a:r>
-              <a:rPr lang="en-US" dirty="0" smtClean="0"/>
-              <a:t>AAGT</a:t>
-            </a:r>
-            <a:r>
-              <a:rPr lang="en-US" b="1" dirty="0" smtClean="0"/>
-              <a:t>AAGT</a:t>
-            </a:r>
-            <a:r>
-              <a:rPr lang="en-US" dirty="0" smtClean="0"/>
-              <a:t> </a:t>
-            </a:r>
-            <a:r>
-              <a:rPr lang="en-US" dirty="0" smtClean="0"/>
-              <a:t>" </a:t>
-            </a:r>
-            <a:endParaRPr lang="en-US" dirty="0" smtClean="0"/>
-          </a:p>
-          <a:p>
-            <a:r>
-              <a:rPr lang="pt-BR" dirty="0" smtClean="0"/>
-              <a:t>. </a:t>
-            </a:r>
-          </a:p>
-          <a:p>
-            <a:pPr lvl="1"/>
-            <a:r>
-              <a:rPr lang="en-US" dirty="0" smtClean="0"/>
-              <a:t>String concatenation </a:t>
-            </a:r>
-            <a:r>
-              <a:rPr lang="en-US" dirty="0" smtClean="0"/>
-              <a:t>operator</a:t>
-            </a:r>
-          </a:p>
-          <a:p>
-            <a:pPr lvl="2"/>
-            <a:r>
-              <a:rPr lang="en-US" dirty="0" smtClean="0"/>
-              <a:t>$</a:t>
-            </a:r>
-            <a:r>
-              <a:rPr lang="en-US" dirty="0" smtClean="0"/>
-              <a:t>str2 </a:t>
-            </a:r>
-            <a:r>
-              <a:rPr lang="en-US" dirty="0" smtClean="0"/>
-              <a:t>= "</a:t>
-            </a:r>
-            <a:r>
-              <a:rPr lang="en-US" dirty="0" err="1" smtClean="0"/>
-              <a:t>Jarek</a:t>
-            </a:r>
-            <a:r>
-              <a:rPr lang="en-US" dirty="0" smtClean="0"/>
-              <a:t>" </a:t>
-            </a:r>
-            <a:r>
-              <a:rPr lang="en-US" dirty="0" smtClean="0">
-                <a:solidFill>
-                  <a:srgbClr val="FF0000"/>
-                </a:solidFill>
-              </a:rPr>
-              <a:t>.</a:t>
-            </a:r>
-            <a:r>
-              <a:rPr lang="en-US" dirty="0" smtClean="0"/>
-              <a:t> " " </a:t>
-            </a:r>
-            <a:r>
-              <a:rPr lang="en-US" dirty="0" smtClean="0">
-                <a:solidFill>
-                  <a:srgbClr val="FF0000"/>
-                </a:solidFill>
-              </a:rPr>
-              <a:t>.</a:t>
-            </a:r>
-            <a:r>
-              <a:rPr lang="en-US" dirty="0" smtClean="0"/>
-              <a:t> </a:t>
-            </a:r>
-            <a:r>
-              <a:rPr lang="en-US" dirty="0" smtClean="0"/>
-              <a:t>" </a:t>
-            </a:r>
-            <a:r>
-              <a:rPr lang="en-US" dirty="0" err="1" smtClean="0"/>
-              <a:t>Pillardy</a:t>
-            </a:r>
-            <a:r>
-              <a:rPr lang="en-US" dirty="0" smtClean="0"/>
-              <a:t>";   ## equals to  "</a:t>
-            </a:r>
-            <a:r>
-              <a:rPr lang="en-US" dirty="0" err="1" smtClean="0"/>
-              <a:t>Jarek</a:t>
-            </a:r>
-            <a:r>
-              <a:rPr lang="en-US" dirty="0" smtClean="0"/>
-              <a:t> </a:t>
-            </a:r>
-            <a:r>
-              <a:rPr lang="en-US" dirty="0" err="1" smtClean="0"/>
-              <a:t>Pillardy</a:t>
-            </a:r>
-            <a:r>
-              <a:rPr lang="en-US" dirty="0" smtClean="0"/>
-              <a:t>”</a:t>
-            </a:r>
-          </a:p>
-          <a:p>
-            <a:pPr lvl="2"/>
-            <a:r>
-              <a:rPr lang="pt-BR" dirty="0" smtClean="0"/>
-              <a:t>$dna = “ATGGCAGA” . $str1; </a:t>
-            </a:r>
-            <a:endParaRPr lang="en-US" dirty="0" smtClean="0"/>
-          </a:p>
-          <a:p>
-            <a:pPr lvl="2"/>
-            <a:endParaRPr lang="en-US" dirty="0"/>
-          </a:p>
-        </p:txBody>
-      </p:sp>
     </p:spTree>
   </p:cSld>
   <p:clrMapOvr>
@@ -15697,8 +15556,8 @@
           <a:lstStyle/>
           <a:p>
             <a:r>
-              <a:rPr lang="pt-BR" dirty="0" smtClean="0"/>
-              <a:t>Other operators</a:t>
+              <a:rPr lang="en-US" dirty="0" smtClean="0"/>
+              <a:t>String manipulation operators</a:t>
             </a:r>
             <a:endParaRPr lang="en-US" dirty="0"/>
           </a:p>
@@ -15721,33 +15580,125 @@
           <a:p>
             <a:r>
               <a:rPr lang="pt-BR" dirty="0" smtClean="0"/>
-              <a:t>..</a:t>
+              <a:t>x </a:t>
             </a:r>
           </a:p>
           <a:p>
             <a:pPr lvl="1"/>
             <a:r>
+              <a:rPr lang="en-US" dirty="0" smtClean="0"/>
+              <a:t>String repetition operator</a:t>
+            </a:r>
+          </a:p>
+          <a:p>
+            <a:pPr lvl="2"/>
+            <a:r>
+              <a:rPr lang="en-US" dirty="0" smtClean="0"/>
+              <a:t>$str1 = "AAGT" x 3;    ##equals to  "</a:t>
+            </a:r>
+            <a:r>
+              <a:rPr lang="en-US" b="1" dirty="0" smtClean="0"/>
+              <a:t>AAGT</a:t>
+            </a:r>
+            <a:r>
+              <a:rPr lang="en-US" dirty="0" smtClean="0"/>
+              <a:t>AAGT</a:t>
+            </a:r>
+            <a:r>
+              <a:rPr lang="en-US" b="1" dirty="0" smtClean="0"/>
+              <a:t>AAGT</a:t>
+            </a:r>
+            <a:r>
+              <a:rPr lang="en-US" dirty="0" smtClean="0"/>
+              <a:t> " </a:t>
+            </a:r>
+          </a:p>
+          <a:p>
+            <a:r>
               <a:rPr lang="pt-BR" dirty="0" smtClean="0"/>
-              <a:t>Range operator (0..10)</a:t>
+              <a:t>. </a:t>
+            </a:r>
+          </a:p>
+          <a:p>
+            <a:pPr lvl="1"/>
+            <a:r>
+              <a:rPr lang="en-US" dirty="0" smtClean="0"/>
+              <a:t>String concatenation operator</a:t>
             </a:r>
           </a:p>
           <a:p>
             <a:pPr lvl="2"/>
             <a:r>
+              <a:rPr lang="en-US" dirty="0" smtClean="0"/>
+              <a:t>$str2 = "</a:t>
+            </a:r>
+            <a:r>
+              <a:rPr lang="en-US" dirty="0" err="1" smtClean="0"/>
+              <a:t>Jarek</a:t>
+            </a:r>
+            <a:r>
+              <a:rPr lang="en-US" dirty="0" smtClean="0"/>
+              <a:t>" </a:t>
+            </a:r>
+            <a:r>
+              <a:rPr lang="en-US" dirty="0" smtClean="0">
+                <a:solidFill>
+                  <a:srgbClr val="FF0000"/>
+                </a:solidFill>
+              </a:rPr>
+              <a:t>.</a:t>
+            </a:r>
+            <a:r>
+              <a:rPr lang="en-US" dirty="0" smtClean="0"/>
+              <a:t> " " </a:t>
+            </a:r>
+            <a:r>
+              <a:rPr lang="en-US" dirty="0" smtClean="0">
+                <a:solidFill>
+                  <a:srgbClr val="FF0000"/>
+                </a:solidFill>
+              </a:rPr>
+              <a:t>.</a:t>
+            </a:r>
+            <a:r>
+              <a:rPr lang="en-US" dirty="0" smtClean="0"/>
+              <a:t> " </a:t>
+            </a:r>
+            <a:r>
+              <a:rPr lang="en-US" dirty="0" err="1" smtClean="0"/>
+              <a:t>Pillardy</a:t>
+            </a:r>
+            <a:r>
+              <a:rPr lang="en-US" dirty="0" smtClean="0"/>
+              <a:t>";   ## equals to  "</a:t>
+            </a:r>
+            <a:r>
+              <a:rPr lang="en-US" dirty="0" err="1" smtClean="0"/>
+              <a:t>Jarek</a:t>
+            </a:r>
+            <a:r>
+              <a:rPr lang="en-US" dirty="0" smtClean="0"/>
+              <a:t> </a:t>
+            </a:r>
+            <a:r>
+              <a:rPr lang="en-US" dirty="0" err="1" smtClean="0"/>
+              <a:t>Pillardy</a:t>
+            </a:r>
+            <a:r>
+              <a:rPr lang="en-US" dirty="0" smtClean="0"/>
+              <a:t>”</a:t>
+            </a:r>
+          </a:p>
+          <a:p>
+            <a:pPr lvl="2"/>
+            <a:r>
               <a:rPr lang="pt-BR" dirty="0" smtClean="0"/>
-              <a:t>Returns 0 to 10, in an array context</a:t>
-            </a:r>
-          </a:p>
-          <a:p>
-            <a:pPr lvl="3"/>
-            <a:r>
-              <a:rPr lang="pt-BR" dirty="0" smtClean="0"/>
-              <a:t>@arr = 0..10</a:t>
-            </a:r>
-            <a:r>
-              <a:rPr lang="pt-BR" dirty="0" smtClean="0"/>
-              <a:t>;   ## stores 0,1,2,3,4,5,6,7,8,9,10 to @arr</a:t>
-            </a:r>
+              <a:t>$dna = “ATGGCAGA” . $str1; </a:t>
+            </a:r>
+            <a:endParaRPr lang="en-US" dirty="0" smtClean="0"/>
+          </a:p>
+          <a:p>
+            <a:pPr lvl="2"/>
             <a:endParaRPr lang="en-US" dirty="0"/>
           </a:p>
         </p:txBody>
@@ -15757,6 +15708,13 @@
   <p:clrMapOvr>
     <a:masterClrMapping/>
   </p:clrMapOvr>
+  <p:timing>
+    <p:tnLst>
+      <p:par>
+        <p:cTn id="1" dur="indefinite" restart="never" nodeType="tmRoot"/>
+      </p:par>
+    </p:tnLst>
+  </p:timing>
 </p:sld>
 </file>
 
@@ -16105,6 +16063,105 @@
 </file>
 
 <file path=ppt/slides/slide40.xml><?xml version="1.0" encoding="utf-8"?>
+<p:sld xmlns:a="http://schemas.openxmlformats.org/drawingml/2006/main" xmlns:r="http://schemas.openxmlformats.org/officeDocument/2006/relationships" xmlns:p="http://schemas.openxmlformats.org/presentationml/2006/main">
+  <p:cSld>
+    <p:spTree>
+      <p:nvGrpSpPr>
+        <p:cNvPr id="1" name=""/>
+        <p:cNvGrpSpPr/>
+        <p:nvPr/>
+      </p:nvGrpSpPr>
+      <p:grpSpPr>
+        <a:xfrm>
+          <a:off x="0" y="0"/>
+          <a:ext cx="0" cy="0"/>
+          <a:chOff x="0" y="0"/>
+          <a:chExt cx="0" cy="0"/>
+        </a:xfrm>
+      </p:grpSpPr>
+      <p:sp>
+        <p:nvSpPr>
+          <p:cNvPr id="2" name="Title 1"/>
+          <p:cNvSpPr>
+            <a:spLocks noGrp="1"/>
+          </p:cNvSpPr>
+          <p:nvPr>
+            <p:ph type="title"/>
+          </p:nvPr>
+        </p:nvSpPr>
+        <p:spPr/>
+        <p:txBody>
+          <a:bodyPr/>
+          <a:lstStyle/>
+          <a:p>
+            <a:r>
+              <a:rPr lang="pt-BR" dirty="0" smtClean="0"/>
+              <a:t>Other operators</a:t>
+            </a:r>
+            <a:endParaRPr lang="en-US" dirty="0"/>
+          </a:p>
+        </p:txBody>
+      </p:sp>
+      <p:sp>
+        <p:nvSpPr>
+          <p:cNvPr id="3" name="Content Placeholder 2"/>
+          <p:cNvSpPr>
+            <a:spLocks noGrp="1"/>
+          </p:cNvSpPr>
+          <p:nvPr>
+            <p:ph idx="1"/>
+          </p:nvPr>
+        </p:nvSpPr>
+        <p:spPr/>
+        <p:txBody>
+          <a:bodyPr/>
+          <a:lstStyle/>
+          <a:p>
+            <a:r>
+              <a:rPr lang="pt-BR" dirty="0" smtClean="0"/>
+              <a:t>..</a:t>
+            </a:r>
+          </a:p>
+          <a:p>
+            <a:pPr lvl="1"/>
+            <a:r>
+              <a:rPr lang="pt-BR" dirty="0" smtClean="0"/>
+              <a:t>Range operator (0..10)</a:t>
+            </a:r>
+          </a:p>
+          <a:p>
+            <a:pPr lvl="2"/>
+            <a:r>
+              <a:rPr lang="pt-BR" dirty="0" smtClean="0"/>
+              <a:t>Returns 0 to 10, in an array context</a:t>
+            </a:r>
+          </a:p>
+          <a:p>
+            <a:pPr lvl="3"/>
+            <a:r>
+              <a:rPr lang="pt-BR" dirty="0" smtClean="0"/>
+              <a:t>@arr = 0..10;   ## stores 0,1,2,3,4,5,6,7,8,9,10 to @arr</a:t>
+            </a:r>
+            <a:endParaRPr lang="en-US" dirty="0"/>
+          </a:p>
+        </p:txBody>
+      </p:sp>
+    </p:spTree>
+  </p:cSld>
+  <p:clrMapOvr>
+    <a:masterClrMapping/>
+  </p:clrMapOvr>
+  <p:timing>
+    <p:tnLst>
+      <p:par>
+        <p:cTn id="1" dur="indefinite" restart="never" nodeType="tmRoot"/>
+      </p:par>
+    </p:tnLst>
+  </p:timing>
+</p:sld>
+</file>
+
+<file path=ppt/slides/slide41.xml><?xml version="1.0" encoding="utf-8"?>
 <p:sld xmlns:a="http://schemas.openxmlformats.org/drawingml/2006/main" xmlns:r="http://schemas.openxmlformats.org/officeDocument/2006/relationships" xmlns:p="http://schemas.openxmlformats.org/presentationml/2006/main">
   <p:cSld>
     <p:spTree>
@@ -16190,10 +16247,17 @@
   <p:clrMapOvr>
     <a:masterClrMapping/>
   </p:clrMapOvr>
+  <p:timing>
+    <p:tnLst>
+      <p:par>
+        <p:cTn id="1" dur="indefinite" restart="never" nodeType="tmRoot"/>
+      </p:par>
+    </p:tnLst>
+  </p:timing>
 </p:sld>
 </file>
 
-<file path=ppt/slides/slide41.xml><?xml version="1.0" encoding="utf-8"?>
+<file path=ppt/slides/slide42.xml><?xml version="1.0" encoding="utf-8"?>
 <p:sld xmlns:a="http://schemas.openxmlformats.org/drawingml/2006/main" xmlns:r="http://schemas.openxmlformats.org/officeDocument/2006/relationships" xmlns:p="http://schemas.openxmlformats.org/presentationml/2006/main">
   <p:cSld>
     <p:spTree>
@@ -16258,19 +16322,7 @@
             </a:r>
             <a:r>
               <a:rPr lang="en-US" dirty="0" smtClean="0"/>
-              <a:t> DNA strand consisting </a:t>
-            </a:r>
-            <a:r>
-              <a:rPr lang="en-US" dirty="0" smtClean="0"/>
-              <a:t>of 6 </a:t>
-            </a:r>
-            <a:r>
-              <a:rPr lang="en-US" dirty="0" smtClean="0"/>
-              <a:t>repeats, store it in a variable</a:t>
-            </a:r>
-            <a:r>
-              <a:rPr lang="en-US" dirty="0" smtClean="0"/>
-              <a:t>.</a:t>
+              <a:t> DNA strand consisting of 6 repeats, store it in a variable.</a:t>
             </a:r>
           </a:p>
           <a:p>
@@ -16289,6 +16341,13 @@
   <p:clrMapOvr>
     <a:masterClrMapping/>
   </p:clrMapOvr>
+  <p:timing>
+    <p:tnLst>
+      <p:par>
+        <p:cTn id="1" dur="indefinite" restart="never" nodeType="tmRoot"/>
+      </p:par>
+    </p:tnLst>
+  </p:timing>
 </p:sld>
 </file>
 
@@ -17283,8 +17342,34 @@
             </a:r>
             <a:r>
               <a:rPr lang="en-US" dirty="0" smtClean="0"/>
-              <a:t>" or hard-coded in your source code.</a:t>
-            </a:r>
+              <a:t>" or hard-coded in your source code</a:t>
+            </a:r>
+            <a:r>
+              <a:rPr lang="en-US" dirty="0" smtClean="0"/>
+              <a:t>.</a:t>
+            </a:r>
+          </a:p>
+          <a:p>
+            <a:pPr lvl="1"/>
+            <a:r>
+              <a:rPr lang="en-IN" dirty="0" smtClean="0"/>
+              <a:t>20</a:t>
+            </a:r>
+          </a:p>
+          <a:p>
+            <a:pPr lvl="1"/>
+            <a:r>
+              <a:rPr lang="en-IN" dirty="0" smtClean="0"/>
+              <a:t>“May 21,2017”</a:t>
+            </a:r>
+          </a:p>
+          <a:p>
+            <a:pPr lvl="1"/>
+            <a:r>
+              <a:rPr lang="en-IN" dirty="0" smtClean="0"/>
+              <a:t>‘welcome home’</a:t>
+            </a:r>
+            <a:endParaRPr lang="en-US" dirty="0" smtClean="0"/>
           </a:p>
           <a:p>
             <a:r>

--- a/PPTs/Variables_and_operators.pptx
+++ b/PPTs/Variables_and_operators.pptx
@@ -3502,7 +3502,7 @@
     </p:spTree>
     <p:extLst>
       <p:ext uri="{BB962C8B-B14F-4D97-AF65-F5344CB8AC3E}">
-        <p14:creationId xmlns="" xmlns:p14="http://schemas.microsoft.com/office/powerpoint/2010/main" val="182139768"/>
+        <p14:creationId xmlns:p14="http://schemas.microsoft.com/office/powerpoint/2010/main" xmlns="" val="182139768"/>
       </p:ext>
     </p:extLst>
   </p:cSld>
@@ -8268,11 +8268,7 @@
             <a:pPr lvl="1"/>
             <a:r>
               <a:rPr lang="pt-BR" dirty="0" smtClean="0"/>
-              <a:t>$array[4] = ‘m</a:t>
-            </a:r>
-            <a:r>
-              <a:rPr lang="pt-BR" dirty="0" smtClean="0"/>
-              <a:t>’</a:t>
+              <a:t>$array[4] = ‘m’</a:t>
             </a:r>
           </a:p>
           <a:p>
@@ -8288,41 +8284,12 @@
             <a:pPr lvl="1"/>
             <a:r>
               <a:rPr lang="pt-BR" dirty="0" smtClean="0"/>
-              <a:t>$</a:t>
-            </a:r>
-            <a:r>
-              <a:rPr lang="pt-BR" dirty="0" smtClean="0"/>
-              <a:t>array[10] </a:t>
-            </a:r>
-            <a:r>
-              <a:rPr lang="pt-BR" dirty="0" smtClean="0"/>
-              <a:t>= </a:t>
-            </a:r>
-            <a:r>
-              <a:rPr lang="pt-BR" dirty="0" smtClean="0"/>
-              <a:t>‘x’, also create </a:t>
-            </a:r>
-            <a:r>
-              <a:rPr lang="pt-BR" dirty="0" smtClean="0"/>
-              <a:t>$</a:t>
-            </a:r>
-            <a:r>
-              <a:rPr lang="pt-BR" dirty="0" smtClean="0"/>
-              <a:t>array[8] ,</a:t>
-            </a:r>
-            <a:r>
-              <a:rPr lang="pt-BR" dirty="0" smtClean="0"/>
-              <a:t> $</a:t>
-            </a:r>
-            <a:r>
-              <a:rPr lang="pt-BR" dirty="0" smtClean="0"/>
-              <a:t>array[9]  with </a:t>
+              <a:t>$array[10] = ‘x’, also create $array[8] , $array[9]  with </a:t>
             </a:r>
             <a:r>
               <a:rPr lang="pt-BR" i="1" dirty="0" smtClean="0"/>
               <a:t>undef.</a:t>
             </a:r>
-            <a:endParaRPr lang="pt-BR" i="1" dirty="0" smtClean="0"/>
           </a:p>
           <a:p>
             <a:pPr lvl="1"/>
@@ -15281,137 +15248,6 @@
           </a:p>
         </p:txBody>
       </p:sp>
-      <p:sp>
-        <p:nvSpPr>
-          <p:cNvPr id="3" name="Content Placeholder 2"/>
-          <p:cNvSpPr>
-            <a:spLocks noGrp="1"/>
-          </p:cNvSpPr>
-          <p:nvPr>
-            <p:ph idx="1"/>
-          </p:nvPr>
-        </p:nvSpPr>
-        <p:spPr/>
-        <p:txBody>
-          <a:bodyPr/>
-          <a:lstStyle/>
-          <a:p>
-            <a:r>
-              <a:rPr lang="pt-BR" dirty="0" smtClean="0"/>
-              <a:t>&amp;&amp;  OR and : logical AND</a:t>
-            </a:r>
-          </a:p>
-          <a:p>
-            <a:r>
-              <a:rPr lang="pt-BR" dirty="0" smtClean="0"/>
-              <a:t>|| OR or : logical OR </a:t>
-            </a:r>
-          </a:p>
-          <a:p>
-            <a:r>
-              <a:rPr lang="pt-BR" dirty="0" smtClean="0"/>
-              <a:t>!	: NOT</a:t>
-            </a:r>
-            <a:endParaRPr lang="en-US" dirty="0"/>
-          </a:p>
-        </p:txBody>
-      </p:sp>
-      <p:pic>
-        <p:nvPicPr>
-          <p:cNvPr id="3074" name="Picture 2"/>
-          <p:cNvPicPr>
-            <a:picLocks noChangeAspect="1" noChangeArrowheads="1"/>
-          </p:cNvPicPr>
-          <p:nvPr/>
-        </p:nvPicPr>
-        <p:blipFill>
-          <a:blip r:embed="rId2" cstate="print"/>
-          <a:srcRect l="55955" t="48958"/>
-          <a:stretch>
-            <a:fillRect/>
-          </a:stretch>
-        </p:blipFill>
-        <p:spPr bwMode="auto">
-          <a:xfrm>
-            <a:off x="5254284" y="2279991"/>
-            <a:ext cx="2328203" cy="2236779"/>
-          </a:xfrm>
-          <a:prstGeom prst="rect">
-            <a:avLst/>
-          </a:prstGeom>
-          <a:noFill/>
-          <a:ln w="9525">
-            <a:noFill/>
-            <a:miter lim="800000"/>
-            <a:headEnd/>
-            <a:tailEnd/>
-          </a:ln>
-        </p:spPr>
-      </p:pic>
-      <p:pic>
-        <p:nvPicPr>
-          <p:cNvPr id="5" name="Picture 2"/>
-          <p:cNvPicPr>
-            <a:picLocks noChangeAspect="1" noChangeArrowheads="1"/>
-          </p:cNvPicPr>
-          <p:nvPr/>
-        </p:nvPicPr>
-        <p:blipFill>
-          <a:blip r:embed="rId2" cstate="print"/>
-          <a:srcRect l="51032" t="781" b="48073"/>
-          <a:stretch>
-            <a:fillRect/>
-          </a:stretch>
-        </p:blipFill>
-        <p:spPr bwMode="auto">
-          <a:xfrm>
-            <a:off x="2771332" y="2403816"/>
-            <a:ext cx="2378180" cy="2059305"/>
-          </a:xfrm>
-          <a:prstGeom prst="rect">
-            <a:avLst/>
-          </a:prstGeom>
-          <a:noFill/>
-          <a:ln w="9525">
-            <a:noFill/>
-            <a:miter lim="800000"/>
-            <a:headEnd/>
-            <a:tailEnd/>
-          </a:ln>
-        </p:spPr>
-      </p:pic>
-      <p:pic>
-        <p:nvPicPr>
-          <p:cNvPr id="6" name="Picture 2"/>
-          <p:cNvPicPr>
-            <a:picLocks noChangeAspect="1" noChangeArrowheads="1"/>
-          </p:cNvPicPr>
-          <p:nvPr/>
-        </p:nvPicPr>
-        <p:blipFill>
-          <a:blip r:embed="rId2" cstate="print"/>
-          <a:srcRect r="53494" b="49207"/>
-          <a:stretch>
-            <a:fillRect/>
-          </a:stretch>
-        </p:blipFill>
-        <p:spPr bwMode="auto">
-          <a:xfrm>
-            <a:off x="258639" y="2499066"/>
-            <a:ext cx="2056823" cy="1862357"/>
-          </a:xfrm>
-          <a:prstGeom prst="rect">
-            <a:avLst/>
-          </a:prstGeom>
-          <a:noFill/>
-          <a:ln w="9525">
-            <a:noFill/>
-            <a:miter lim="800000"/>
-            <a:headEnd/>
-            <a:tailEnd/>
-          </a:ln>
-        </p:spPr>
-      </p:pic>
       <p:pic>
         <p:nvPicPr>
           <p:cNvPr id="4" name="Picture 2"/>
@@ -15421,7 +15257,7 @@
           <p:nvPr/>
         </p:nvPicPr>
         <p:blipFill>
-          <a:blip r:embed="rId3" cstate="print"/>
+          <a:blip r:embed="rId2" cstate="print"/>
           <a:srcRect/>
           <a:stretch>
             <a:fillRect/>
@@ -15429,7 +15265,7 @@
         </p:blipFill>
         <p:spPr bwMode="auto">
           <a:xfrm>
-            <a:off x="690565" y="4333500"/>
+            <a:off x="5186365" y="2342775"/>
             <a:ext cx="996428" cy="810000"/>
           </a:xfrm>
           <a:prstGeom prst="rect">
@@ -15453,7 +15289,7 @@
           <p:nvPr/>
         </p:nvPicPr>
         <p:blipFill>
-          <a:blip r:embed="rId4" cstate="print"/>
+          <a:blip r:embed="rId3" cstate="print"/>
           <a:srcRect/>
           <a:stretch>
             <a:fillRect/>
@@ -15461,7 +15297,7 @@
         </p:blipFill>
         <p:spPr bwMode="auto">
           <a:xfrm>
-            <a:off x="3467101" y="4333500"/>
+            <a:off x="6715126" y="2371350"/>
             <a:ext cx="1050469" cy="810000"/>
           </a:xfrm>
           <a:prstGeom prst="rect">
@@ -15485,7 +15321,7 @@
           <p:nvPr/>
         </p:nvPicPr>
         <p:blipFill>
-          <a:blip r:embed="rId5" cstate="print"/>
+          <a:blip r:embed="rId4" cstate="print"/>
           <a:srcRect/>
           <a:stretch>
             <a:fillRect/>
@@ -15493,8 +15329,8 @@
         </p:blipFill>
         <p:spPr bwMode="auto">
           <a:xfrm>
-            <a:off x="5876925" y="4333500"/>
-            <a:ext cx="1012500" cy="810000"/>
+            <a:off x="7820025" y="2304675"/>
+            <a:ext cx="1181100" cy="944880"/>
           </a:xfrm>
           <a:prstGeom prst="rect">
             <a:avLst/>
@@ -15508,6 +15344,241 @@
           </a:ln>
         </p:spPr>
       </p:pic>
+      <p:pic>
+        <p:nvPicPr>
+          <p:cNvPr id="1026" name="Picture 2"/>
+          <p:cNvPicPr>
+            <a:picLocks noChangeAspect="1" noChangeArrowheads="1"/>
+          </p:cNvPicPr>
+          <p:nvPr/>
+        </p:nvPicPr>
+        <p:blipFill>
+          <a:blip r:embed="rId5" cstate="print"/>
+          <a:srcRect/>
+          <a:stretch>
+            <a:fillRect/>
+          </a:stretch>
+        </p:blipFill>
+        <p:spPr bwMode="auto">
+          <a:xfrm>
+            <a:off x="2381251" y="3054920"/>
+            <a:ext cx="6629400" cy="2088580"/>
+          </a:xfrm>
+          <a:prstGeom prst="rect">
+            <a:avLst/>
+          </a:prstGeom>
+          <a:noFill/>
+          <a:ln w="9525">
+            <a:noFill/>
+            <a:miter lim="800000"/>
+            <a:headEnd/>
+            <a:tailEnd/>
+          </a:ln>
+        </p:spPr>
+      </p:pic>
+      <p:graphicFrame>
+        <p:nvGraphicFramePr>
+          <p:cNvPr id="12" name="Content Placeholder 3"/>
+          <p:cNvGraphicFramePr>
+            <a:graphicFrameLocks/>
+          </p:cNvGraphicFramePr>
+          <p:nvPr/>
+        </p:nvGraphicFramePr>
+        <p:xfrm>
+          <a:off x="571500" y="1304925"/>
+          <a:ext cx="4591050" cy="1485900"/>
+        </p:xfrm>
+        <a:graphic>
+          <a:graphicData uri="http://schemas.openxmlformats.org/drawingml/2006/table">
+            <a:tbl>
+              <a:tblPr firstRow="1" bandRow="1">
+                <a:tableStyleId>{5C22544A-7EE6-4342-B048-85BDC9FD1C3A}</a:tableStyleId>
+              </a:tblPr>
+              <a:tblGrid>
+                <a:gridCol w="1530350"/>
+                <a:gridCol w="1530350"/>
+                <a:gridCol w="1530350"/>
+              </a:tblGrid>
+              <a:tr h="371475">
+                <a:tc>
+                  <a:txBody>
+                    <a:bodyPr/>
+                    <a:lstStyle/>
+                    <a:p>
+                      <a:r>
+                        <a:rPr lang="pt-BR" dirty="0" smtClean="0"/>
+                        <a:t>Operators</a:t>
+                      </a:r>
+                      <a:endParaRPr lang="en-US" dirty="0"/>
+                    </a:p>
+                  </a:txBody>
+                  <a:tcPr/>
+                </a:tc>
+                <a:tc>
+                  <a:txBody>
+                    <a:bodyPr/>
+                    <a:lstStyle/>
+                    <a:p>
+                      <a:r>
+                        <a:rPr lang="pt-BR" dirty="0" smtClean="0"/>
+                        <a:t>Numerical </a:t>
+                      </a:r>
+                      <a:endParaRPr lang="en-US" dirty="0"/>
+                    </a:p>
+                  </a:txBody>
+                  <a:tcPr/>
+                </a:tc>
+                <a:tc>
+                  <a:txBody>
+                    <a:bodyPr/>
+                    <a:lstStyle/>
+                    <a:p>
+                      <a:r>
+                        <a:rPr lang="pt-BR" dirty="0" smtClean="0"/>
+                        <a:t>String</a:t>
+                      </a:r>
+                      <a:endParaRPr lang="en-US" dirty="0"/>
+                    </a:p>
+                  </a:txBody>
+                  <a:tcPr/>
+                </a:tc>
+              </a:tr>
+              <a:tr h="371475">
+                <a:tc>
+                  <a:txBody>
+                    <a:bodyPr/>
+                    <a:lstStyle/>
+                    <a:p>
+                      <a:r>
+                        <a:rPr lang="pt-BR" dirty="0" smtClean="0"/>
+                        <a:t>Logical AND</a:t>
+                      </a:r>
+                      <a:endParaRPr lang="en-US" dirty="0"/>
+                    </a:p>
+                  </a:txBody>
+                  <a:tcPr/>
+                </a:tc>
+                <a:tc>
+                  <a:txBody>
+                    <a:bodyPr/>
+                    <a:lstStyle/>
+                    <a:p>
+                      <a:r>
+                        <a:rPr lang="pt-BR" dirty="0" smtClean="0"/>
+                        <a:t>&amp;&amp;</a:t>
+                      </a:r>
+                      <a:endParaRPr lang="en-US" dirty="0"/>
+                    </a:p>
+                  </a:txBody>
+                  <a:tcPr/>
+                </a:tc>
+                <a:tc>
+                  <a:txBody>
+                    <a:bodyPr/>
+                    <a:lstStyle/>
+                    <a:p>
+                      <a:r>
+                        <a:rPr lang="pt-BR" dirty="0" smtClean="0"/>
+                        <a:t>and </a:t>
+                      </a:r>
+                      <a:endParaRPr lang="en-US" dirty="0"/>
+                    </a:p>
+                  </a:txBody>
+                  <a:tcPr/>
+                </a:tc>
+              </a:tr>
+              <a:tr h="371475">
+                <a:tc>
+                  <a:txBody>
+                    <a:bodyPr/>
+                    <a:lstStyle/>
+                    <a:p>
+                      <a:r>
+                        <a:rPr lang="pt-BR" dirty="0" smtClean="0"/>
+                        <a:t>Logical OR</a:t>
+                      </a:r>
+                      <a:endParaRPr lang="en-US" dirty="0"/>
+                    </a:p>
+                  </a:txBody>
+                  <a:tcPr/>
+                </a:tc>
+                <a:tc>
+                  <a:txBody>
+                    <a:bodyPr/>
+                    <a:lstStyle/>
+                    <a:p>
+                      <a:r>
+                        <a:rPr lang="pt-BR" dirty="0" smtClean="0"/>
+                        <a:t>||</a:t>
+                      </a:r>
+                      <a:endParaRPr lang="en-US" dirty="0"/>
+                    </a:p>
+                  </a:txBody>
+                  <a:tcPr/>
+                </a:tc>
+                <a:tc>
+                  <a:txBody>
+                    <a:bodyPr/>
+                    <a:lstStyle/>
+                    <a:p>
+                      <a:r>
+                        <a:rPr lang="pt-BR" dirty="0" smtClean="0"/>
+                        <a:t>or </a:t>
+                      </a:r>
+                      <a:endParaRPr lang="en-US" dirty="0"/>
+                    </a:p>
+                  </a:txBody>
+                  <a:tcPr/>
+                </a:tc>
+              </a:tr>
+              <a:tr h="371475">
+                <a:tc>
+                  <a:txBody>
+                    <a:bodyPr/>
+                    <a:lstStyle/>
+                    <a:p>
+                      <a:r>
+                        <a:rPr lang="pt-BR" dirty="0" smtClean="0"/>
+                        <a:t>Logical NOT</a:t>
+                      </a:r>
+                      <a:endParaRPr lang="en-US" dirty="0"/>
+                    </a:p>
+                  </a:txBody>
+                  <a:tcPr/>
+                </a:tc>
+                <a:tc>
+                  <a:txBody>
+                    <a:bodyPr/>
+                    <a:lstStyle/>
+                    <a:p>
+                      <a:r>
+                        <a:rPr lang="pt-BR" dirty="0" smtClean="0"/>
+                        <a:t>!</a:t>
+                      </a:r>
+                      <a:endParaRPr lang="en-US" dirty="0"/>
+                    </a:p>
+                  </a:txBody>
+                  <a:tcPr/>
+                </a:tc>
+                <a:tc>
+                  <a:txBody>
+                    <a:bodyPr/>
+                    <a:lstStyle/>
+                    <a:p>
+                      <a:r>
+                        <a:rPr lang="pt-BR" dirty="0" smtClean="0"/>
+                        <a:t>!</a:t>
+                      </a:r>
+                      <a:endParaRPr lang="en-US" dirty="0"/>
+                    </a:p>
+                  </a:txBody>
+                  <a:tcPr/>
+                </a:tc>
+              </a:tr>
+            </a:tbl>
+          </a:graphicData>
+        </a:graphic>
+      </p:graphicFrame>
     </p:spTree>
   </p:cSld>
   <p:clrMapOvr>
@@ -17342,11 +17413,7 @@
             </a:r>
             <a:r>
               <a:rPr lang="en-US" dirty="0" smtClean="0"/>
-              <a:t>" or hard-coded in your source code</a:t>
-            </a:r>
-            <a:r>
-              <a:rPr lang="en-US" dirty="0" smtClean="0"/>
-              <a:t>.</a:t>
+              <a:t>" or hard-coded in your source code.</a:t>
             </a:r>
           </a:p>
           <a:p>
